--- a/Trunk/bredoc/StoreBox-central_storage_and_quick_posting.pptx
+++ b/Trunk/bredoc/StoreBox-central_storage_and_quick_posting.pptx
@@ -28,6 +28,13 @@
     <p:sldId id="280" r:id="rId22"/>
     <p:sldId id="281" r:id="rId23"/>
     <p:sldId id="283" r:id="rId24"/>
+    <p:sldId id="285" r:id="rId25"/>
+    <p:sldId id="286" r:id="rId26"/>
+    <p:sldId id="288" r:id="rId27"/>
+    <p:sldId id="287" r:id="rId28"/>
+    <p:sldId id="289" r:id="rId29"/>
+    <p:sldId id="290" r:id="rId30"/>
+    <p:sldId id="291" r:id="rId31"/>
   </p:sldIdLst>
   <p:sldSz cx="9144000" cy="6858000" type="screen4x3"/>
   <p:notesSz cx="6858000" cy="9144000"/>
@@ -311,7 +318,7 @@
             <a:fld id="{265A8CBC-0F4F-4AAC-8EC2-BFC3190D591A}" type="datetimeFigureOut">
               <a:rPr lang="en-US" smtClean="0"/>
               <a:pPr/>
-              <a:t>8/12/2010</a:t>
+              <a:t>8/20/2010</a:t>
             </a:fld>
             <a:endParaRPr lang="en-US"/>
           </a:p>
@@ -478,7 +485,7 @@
             <a:fld id="{265A8CBC-0F4F-4AAC-8EC2-BFC3190D591A}" type="datetimeFigureOut">
               <a:rPr lang="en-US" smtClean="0"/>
               <a:pPr/>
-              <a:t>8/12/2010</a:t>
+              <a:t>8/20/2010</a:t>
             </a:fld>
             <a:endParaRPr lang="en-US"/>
           </a:p>
@@ -655,7 +662,7 @@
             <a:fld id="{265A8CBC-0F4F-4AAC-8EC2-BFC3190D591A}" type="datetimeFigureOut">
               <a:rPr lang="en-US" smtClean="0"/>
               <a:pPr/>
-              <a:t>8/12/2010</a:t>
+              <a:t>8/20/2010</a:t>
             </a:fld>
             <a:endParaRPr lang="en-US"/>
           </a:p>
@@ -822,7 +829,7 @@
             <a:fld id="{265A8CBC-0F4F-4AAC-8EC2-BFC3190D591A}" type="datetimeFigureOut">
               <a:rPr lang="en-US" smtClean="0"/>
               <a:pPr/>
-              <a:t>8/12/2010</a:t>
+              <a:t>8/20/2010</a:t>
             </a:fld>
             <a:endParaRPr lang="en-US"/>
           </a:p>
@@ -1065,7 +1072,7 @@
             <a:fld id="{265A8CBC-0F4F-4AAC-8EC2-BFC3190D591A}" type="datetimeFigureOut">
               <a:rPr lang="en-US" smtClean="0"/>
               <a:pPr/>
-              <a:t>8/12/2010</a:t>
+              <a:t>8/20/2010</a:t>
             </a:fld>
             <a:endParaRPr lang="en-US"/>
           </a:p>
@@ -1350,7 +1357,7 @@
             <a:fld id="{265A8CBC-0F4F-4AAC-8EC2-BFC3190D591A}" type="datetimeFigureOut">
               <a:rPr lang="en-US" smtClean="0"/>
               <a:pPr/>
-              <a:t>8/12/2010</a:t>
+              <a:t>8/20/2010</a:t>
             </a:fld>
             <a:endParaRPr lang="en-US"/>
           </a:p>
@@ -1769,7 +1776,7 @@
             <a:fld id="{265A8CBC-0F4F-4AAC-8EC2-BFC3190D591A}" type="datetimeFigureOut">
               <a:rPr lang="en-US" smtClean="0"/>
               <a:pPr/>
-              <a:t>8/12/2010</a:t>
+              <a:t>8/20/2010</a:t>
             </a:fld>
             <a:endParaRPr lang="en-US"/>
           </a:p>
@@ -1884,7 +1891,7 @@
             <a:fld id="{265A8CBC-0F4F-4AAC-8EC2-BFC3190D591A}" type="datetimeFigureOut">
               <a:rPr lang="en-US" smtClean="0"/>
               <a:pPr/>
-              <a:t>8/12/2010</a:t>
+              <a:t>8/20/2010</a:t>
             </a:fld>
             <a:endParaRPr lang="en-US"/>
           </a:p>
@@ -1976,7 +1983,7 @@
             <a:fld id="{265A8CBC-0F4F-4AAC-8EC2-BFC3190D591A}" type="datetimeFigureOut">
               <a:rPr lang="en-US" smtClean="0"/>
               <a:pPr/>
-              <a:t>8/12/2010</a:t>
+              <a:t>8/20/2010</a:t>
             </a:fld>
             <a:endParaRPr lang="en-US"/>
           </a:p>
@@ -2250,7 +2257,7 @@
             <a:fld id="{265A8CBC-0F4F-4AAC-8EC2-BFC3190D591A}" type="datetimeFigureOut">
               <a:rPr lang="en-US" smtClean="0"/>
               <a:pPr/>
-              <a:t>8/12/2010</a:t>
+              <a:t>8/20/2010</a:t>
             </a:fld>
             <a:endParaRPr lang="en-US"/>
           </a:p>
@@ -2500,7 +2507,7 @@
             <a:fld id="{265A8CBC-0F4F-4AAC-8EC2-BFC3190D591A}" type="datetimeFigureOut">
               <a:rPr lang="en-US" smtClean="0"/>
               <a:pPr/>
-              <a:t>8/12/2010</a:t>
+              <a:t>8/20/2010</a:t>
             </a:fld>
             <a:endParaRPr lang="en-US"/>
           </a:p>
@@ -2710,7 +2717,7 @@
             <a:fld id="{265A8CBC-0F4F-4AAC-8EC2-BFC3190D591A}" type="datetimeFigureOut">
               <a:rPr lang="en-US" smtClean="0"/>
               <a:pPr/>
-              <a:t>8/12/2010</a:t>
+              <a:t>8/20/2010</a:t>
             </a:fld>
             <a:endParaRPr lang="en-US"/>
           </a:p>
@@ -4569,7 +4576,13 @@
               <a:rPr lang="en-US" dirty="0" smtClean="0">
                 <a:hlinkClick r:id="rId2" action="ppaction://hlinkfile"/>
               </a:rPr>
-              <a:t>Store Box Posting Client Rsync</a:t>
+              <a:t>Store Box Posting Client </a:t>
+            </a:r>
+            <a:r>
+              <a:rPr lang="en-US" dirty="0" err="1" smtClean="0">
+                <a:hlinkClick r:id="rId2" action="ppaction://hlinkfile"/>
+              </a:rPr>
+              <a:t>Rsync</a:t>
             </a:r>
             <a:endParaRPr lang="en-US" dirty="0" smtClean="0"/>
           </a:p>
@@ -4589,7 +4602,15 @@
             </a:pPr>
             <a:r>
               <a:rPr lang="en-US" dirty="0" smtClean="0"/>
-              <a:t>Set server environment variable which point to your closest Rsync server.</a:t>
+              <a:t>Set server environment variable which point to your closest </a:t>
+            </a:r>
+            <a:r>
+              <a:rPr lang="en-US" dirty="0" err="1" smtClean="0"/>
+              <a:t>Rsync</a:t>
+            </a:r>
+            <a:r>
+              <a:rPr lang="en-US" dirty="0" smtClean="0"/>
+              <a:t> server.</a:t>
             </a:r>
           </a:p>
           <a:p>
@@ -5236,7 +5257,11 @@
               </a:pPr>
               <a:r>
                 <a:rPr lang="en-US" sz="4900" kern="1200" dirty="0" smtClean="0"/>
-                <a:t>Post via Rsync</a:t>
+                <a:t>Post via </a:t>
+              </a:r>
+              <a:r>
+                <a:rPr lang="en-US" sz="4900" kern="1200" dirty="0" err="1" smtClean="0"/>
+                <a:t>Rsync</a:t>
               </a:r>
               <a:endParaRPr lang="en-US" sz="4900" kern="1200" dirty="0"/>
             </a:p>
@@ -6428,7 +6453,11 @@
           <a:p>
             <a:r>
               <a:rPr lang="en-US" dirty="0" smtClean="0"/>
-              <a:t>Post via Rsync</a:t>
+              <a:t>Post via </a:t>
+            </a:r>
+            <a:r>
+              <a:rPr lang="en-US" dirty="0" err="1" smtClean="0"/>
+              <a:t>Rsync</a:t>
             </a:r>
             <a:endParaRPr lang="en-US" dirty="0"/>
           </a:p>
@@ -6471,7 +6500,15 @@
           <a:p>
             <a:r>
               <a:rPr lang="en-US" dirty="0" smtClean="0"/>
-              <a:t>Wait Rsync server process</a:t>
+              <a:t>Wait </a:t>
+            </a:r>
+            <a:r>
+              <a:rPr lang="en-US" dirty="0" err="1" smtClean="0"/>
+              <a:t>Rsync</a:t>
+            </a:r>
+            <a:r>
+              <a:rPr lang="en-US" dirty="0" smtClean="0"/>
+              <a:t> server process</a:t>
             </a:r>
           </a:p>
           <a:p>
@@ -6485,7 +6522,15 @@
             </a:r>
             <a:r>
               <a:rPr lang="en-US" dirty="0" smtClean="0"/>
-              <a:t> really need post files from Rsync server</a:t>
+              <a:t> really need post files from </a:t>
+            </a:r>
+            <a:r>
+              <a:rPr lang="en-US" dirty="0" err="1" smtClean="0"/>
+              <a:t>Rsync</a:t>
+            </a:r>
+            <a:r>
+              <a:rPr lang="en-US" dirty="0" smtClean="0"/>
+              <a:t> server</a:t>
             </a:r>
           </a:p>
           <a:p>
@@ -6711,7 +6756,11 @@
           <a:p>
             <a:r>
               <a:rPr lang="en-US" dirty="0" smtClean="0"/>
-              <a:t>remove/repost/rename via Rsync</a:t>
+              <a:t>remove/repost/rename via </a:t>
+            </a:r>
+            <a:r>
+              <a:rPr lang="en-US" dirty="0" err="1" smtClean="0"/>
+              <a:t>Rsync</a:t>
             </a:r>
             <a:endParaRPr lang="en-US" dirty="0"/>
           </a:p>
@@ -6734,19 +6783,28 @@
           <a:p>
             <a:r>
               <a:rPr lang="en-US" dirty="0" smtClean="0"/>
-              <a:t>Remove/repost via Rsync</a:t>
-            </a:r>
-          </a:p>
-          <a:p>
+              <a:t>Remove/repost via </a:t>
+            </a:r>
+            <a:r>
+              <a:rPr lang="en-US" dirty="0" err="1" smtClean="0"/>
+              <a:t>Rsync</a:t>
+            </a:r>
             <a:endParaRPr lang="en-US" dirty="0" smtClean="0"/>
           </a:p>
           <a:p>
             <a:endParaRPr lang="en-US" dirty="0" smtClean="0"/>
           </a:p>
           <a:p>
-            <a:r>
-              <a:rPr lang="en-US" dirty="0" smtClean="0"/>
-              <a:t>Rename files via Rsync</a:t>
+            <a:endParaRPr lang="en-US" dirty="0" smtClean="0"/>
+          </a:p>
+          <a:p>
+            <a:r>
+              <a:rPr lang="en-US" dirty="0" smtClean="0"/>
+              <a:t>Rename files via </a:t>
+            </a:r>
+            <a:r>
+              <a:rPr lang="en-US" dirty="0" err="1" smtClean="0"/>
+              <a:t>Rsync</a:t>
             </a:r>
             <a:endParaRPr lang="en-US" dirty="0"/>
           </a:p>
@@ -6804,7 +6862,15 @@
             <a:pPr algn="ctr"/>
             <a:r>
               <a:rPr lang="en-US" dirty="0" smtClean="0"/>
-              <a:t>and Rsync Server</a:t>
+              <a:t>and </a:t>
+            </a:r>
+            <a:r>
+              <a:rPr lang="en-US" dirty="0" err="1" smtClean="0"/>
+              <a:t>Rsync</a:t>
+            </a:r>
+            <a:r>
+              <a:rPr lang="en-US" dirty="0" smtClean="0"/>
+              <a:t> Server</a:t>
             </a:r>
             <a:endParaRPr lang="en-US" dirty="0"/>
           </a:p>
@@ -9097,7 +9163,15 @@
           <a:p>
             <a:r>
               <a:rPr lang="en-US" dirty="0" smtClean="0"/>
-              <a:t>Store Box Posting Client Rsync (BRE)</a:t>
+              <a:t>Store Box Posting Client </a:t>
+            </a:r>
+            <a:r>
+              <a:rPr lang="en-US" dirty="0" err="1" smtClean="0"/>
+              <a:t>Rsync</a:t>
+            </a:r>
+            <a:r>
+              <a:rPr lang="en-US" dirty="0" smtClean="0"/>
+              <a:t> (BRE)</a:t>
             </a:r>
           </a:p>
           <a:p>
@@ -9339,11 +9413,7 @@
           <a:p>
             <a:r>
               <a:rPr lang="en-US" dirty="0" smtClean="0"/>
-              <a:t>The maters will be post to Localization Server automatically in the future</a:t>
-            </a:r>
-            <a:r>
-              <a:rPr lang="en-US" dirty="0" smtClean="0"/>
-              <a:t>.</a:t>
+              <a:t>The maters will be post to Localization Server automatically in the future.</a:t>
             </a:r>
           </a:p>
           <a:p>
@@ -9354,7 +9424,6 @@
               <a:rPr lang="en-US" dirty="0" smtClean="0"/>
               <a:t>For the places where have not NetApps, Claudio can help to set up ‘Store Box Client’ to sync the masters to these places automatically.</a:t>
             </a:r>
-            <a:endParaRPr lang="en-US" dirty="0" smtClean="0"/>
           </a:p>
           <a:p>
             <a:endParaRPr lang="en-US" dirty="0"/>
@@ -9462,7 +9531,7 @@
               <a:t> &gt; </a:t>
             </a:r>
             <a:r>
-              <a:rPr lang="en-US" dirty="0" smtClean="0">
+              <a:rPr lang="en-US" dirty="0" err="1" smtClean="0">
                 <a:hlinkClick r:id="rId5"/>
               </a:rPr>
               <a:t>Rsync</a:t>
@@ -9599,6 +9668,728 @@
       </p:par>
     </p:tnLst>
   </p:timing>
+</p:sld>
+</file>
+
+<file path=ppt/slides/slide24.xml><?xml version="1.0" encoding="utf-8"?>
+<p:sld xmlns:a="http://schemas.openxmlformats.org/drawingml/2006/main" xmlns:r="http://schemas.openxmlformats.org/officeDocument/2006/relationships" xmlns:p="http://schemas.openxmlformats.org/presentationml/2006/main">
+  <p:cSld>
+    <p:spTree>
+      <p:nvGrpSpPr>
+        <p:cNvPr id="1" name=""/>
+        <p:cNvGrpSpPr/>
+        <p:nvPr/>
+      </p:nvGrpSpPr>
+      <p:grpSpPr>
+        <a:xfrm>
+          <a:off x="0" y="0"/>
+          <a:ext cx="0" cy="0"/>
+          <a:chOff x="0" y="0"/>
+          <a:chExt cx="0" cy="0"/>
+        </a:xfrm>
+      </p:grpSpPr>
+      <p:sp>
+        <p:nvSpPr>
+          <p:cNvPr id="2" name="Title 1"/>
+          <p:cNvSpPr>
+            <a:spLocks noGrp="1"/>
+          </p:cNvSpPr>
+          <p:nvPr>
+            <p:ph type="title"/>
+          </p:nvPr>
+        </p:nvSpPr>
+        <p:spPr/>
+        <p:txBody>
+          <a:bodyPr/>
+          <a:lstStyle/>
+          <a:p>
+            <a:r>
+              <a:rPr lang="en-US" altLang="zh-CN" dirty="0" smtClean="0"/>
+              <a:t>How the store box implement</a:t>
+            </a:r>
+            <a:endParaRPr lang="en-US" dirty="0"/>
+          </a:p>
+        </p:txBody>
+      </p:sp>
+      <p:sp>
+        <p:nvSpPr>
+          <p:cNvPr id="3" name="Content Placeholder 2"/>
+          <p:cNvSpPr>
+            <a:spLocks noGrp="1"/>
+          </p:cNvSpPr>
+          <p:nvPr>
+            <p:ph idx="1"/>
+          </p:nvPr>
+        </p:nvSpPr>
+        <p:spPr/>
+        <p:txBody>
+          <a:bodyPr/>
+          <a:lstStyle/>
+          <a:p>
+            <a:r>
+              <a:rPr lang="en-US" dirty="0" smtClean="0"/>
+              <a:t>MD5</a:t>
+            </a:r>
+          </a:p>
+          <a:p>
+            <a:r>
+              <a:rPr lang="en-US" dirty="0" smtClean="0"/>
+              <a:t>RSync</a:t>
+            </a:r>
+          </a:p>
+          <a:p>
+            <a:r>
+              <a:rPr lang="en-US" dirty="0" smtClean="0"/>
+              <a:t>Linux Hand link</a:t>
+            </a:r>
+          </a:p>
+          <a:p>
+            <a:r>
+              <a:rPr lang="en-US" dirty="0" smtClean="0"/>
+              <a:t>Same files just store one copy</a:t>
+            </a:r>
+          </a:p>
+          <a:p>
+            <a:r>
+              <a:rPr lang="en-US" dirty="0" smtClean="0"/>
+              <a:t>Just RSync the files which are not existed in </a:t>
+            </a:r>
+            <a:r>
+              <a:rPr lang="en-US" dirty="0" err="1" smtClean="0"/>
+              <a:t>Rsync</a:t>
+            </a:r>
+            <a:r>
+              <a:rPr lang="en-US" dirty="0" smtClean="0"/>
+              <a:t> Server</a:t>
+            </a:r>
+            <a:endParaRPr lang="en-US" dirty="0"/>
+          </a:p>
+        </p:txBody>
+      </p:sp>
+    </p:spTree>
+  </p:cSld>
+  <p:clrMapOvr>
+    <a:masterClrMapping/>
+  </p:clrMapOvr>
+</p:sld>
+</file>
+
+<file path=ppt/slides/slide25.xml><?xml version="1.0" encoding="utf-8"?>
+<p:sld xmlns:a="http://schemas.openxmlformats.org/drawingml/2006/main" xmlns:r="http://schemas.openxmlformats.org/officeDocument/2006/relationships" xmlns:p="http://schemas.openxmlformats.org/presentationml/2006/main">
+  <p:cSld>
+    <p:spTree>
+      <p:nvGrpSpPr>
+        <p:cNvPr id="1" name=""/>
+        <p:cNvGrpSpPr/>
+        <p:nvPr/>
+      </p:nvGrpSpPr>
+      <p:grpSpPr>
+        <a:xfrm>
+          <a:off x="0" y="0"/>
+          <a:ext cx="0" cy="0"/>
+          <a:chOff x="0" y="0"/>
+          <a:chExt cx="0" cy="0"/>
+        </a:xfrm>
+      </p:grpSpPr>
+      <p:sp>
+        <p:nvSpPr>
+          <p:cNvPr id="2" name="Title 1"/>
+          <p:cNvSpPr>
+            <a:spLocks noGrp="1"/>
+          </p:cNvSpPr>
+          <p:nvPr>
+            <p:ph type="title"/>
+          </p:nvPr>
+        </p:nvSpPr>
+        <p:spPr/>
+        <p:txBody>
+          <a:bodyPr/>
+          <a:lstStyle/>
+          <a:p>
+            <a:r>
+              <a:rPr lang="en-US" dirty="0" smtClean="0"/>
+              <a:t>MD5 identify one file</a:t>
+            </a:r>
+            <a:endParaRPr lang="en-US" dirty="0"/>
+          </a:p>
+        </p:txBody>
+      </p:sp>
+      <p:sp>
+        <p:nvSpPr>
+          <p:cNvPr id="3" name="Content Placeholder 2"/>
+          <p:cNvSpPr>
+            <a:spLocks noGrp="1"/>
+          </p:cNvSpPr>
+          <p:nvPr>
+            <p:ph idx="1"/>
+          </p:nvPr>
+        </p:nvSpPr>
+        <p:spPr>
+          <a:xfrm>
+            <a:off x="395536" y="1124744"/>
+            <a:ext cx="8229600" cy="3960439"/>
+          </a:xfrm>
+        </p:spPr>
+        <p:txBody>
+          <a:bodyPr/>
+          <a:lstStyle/>
+          <a:p>
+            <a:r>
+              <a:rPr lang="en-US" dirty="0" smtClean="0"/>
+              <a:t>Use MD5 to identify one file, different file will have different MD5.</a:t>
+            </a:r>
+          </a:p>
+          <a:p>
+            <a:r>
+              <a:rPr lang="en-US" dirty="0" smtClean="0"/>
+              <a:t>The file MD5 doesn’t matter with the file name, just is relative with the file content.</a:t>
+            </a:r>
+            <a:endParaRPr lang="en-US" dirty="0"/>
+          </a:p>
+        </p:txBody>
+      </p:sp>
+      <p:sp>
+        <p:nvSpPr>
+          <p:cNvPr id="4" name="Rectangle 3"/>
+          <p:cNvSpPr/>
+          <p:nvPr/>
+        </p:nvSpPr>
+        <p:spPr>
+          <a:xfrm>
+            <a:off x="827584" y="5445224"/>
+            <a:ext cx="7632848" cy="720080"/>
+          </a:xfrm>
+          <a:prstGeom prst="rect">
+            <a:avLst/>
+          </a:prstGeom>
+        </p:spPr>
+        <p:style>
+          <a:lnRef idx="2">
+            <a:schemeClr val="accent1">
+              <a:shade val="50000"/>
+            </a:schemeClr>
+          </a:lnRef>
+          <a:fillRef idx="1">
+            <a:schemeClr val="accent1"/>
+          </a:fillRef>
+          <a:effectRef idx="0">
+            <a:schemeClr val="accent1"/>
+          </a:effectRef>
+          <a:fontRef idx="minor">
+            <a:schemeClr val="lt1"/>
+          </a:fontRef>
+        </p:style>
+        <p:txBody>
+          <a:bodyPr rtlCol="0" anchor="ctr"/>
+          <a:lstStyle/>
+          <a:p>
+            <a:pPr algn="ctr"/>
+            <a:r>
+              <a:rPr lang="en-US" dirty="0" err="1" smtClean="0"/>
+              <a:t>fsum</a:t>
+            </a:r>
+            <a:r>
+              <a:rPr lang="en-US" dirty="0" smtClean="0"/>
+              <a:t> -</a:t>
+            </a:r>
+            <a:r>
+              <a:rPr lang="en-US" dirty="0" err="1" smtClean="0"/>
+              <a:t>jnc</a:t>
+            </a:r>
+            <a:r>
+              <a:rPr lang="en-US" dirty="0" smtClean="0"/>
+              <a:t> -md5 CRK-Tools.zip &gt; CRK-Tools.zip.md5</a:t>
+            </a:r>
+            <a:endParaRPr lang="en-US" dirty="0"/>
+          </a:p>
+        </p:txBody>
+      </p:sp>
+      <p:sp>
+        <p:nvSpPr>
+          <p:cNvPr id="5" name="Oval 4"/>
+          <p:cNvSpPr/>
+          <p:nvPr/>
+        </p:nvSpPr>
+        <p:spPr>
+          <a:xfrm>
+            <a:off x="6588224" y="3933056"/>
+            <a:ext cx="1512168" cy="720080"/>
+          </a:xfrm>
+          <a:prstGeom prst="ellipse">
+            <a:avLst/>
+          </a:prstGeom>
+        </p:spPr>
+        <p:style>
+          <a:lnRef idx="2">
+            <a:schemeClr val="accent1">
+              <a:shade val="50000"/>
+            </a:schemeClr>
+          </a:lnRef>
+          <a:fillRef idx="1">
+            <a:schemeClr val="accent1"/>
+          </a:fillRef>
+          <a:effectRef idx="0">
+            <a:schemeClr val="accent1"/>
+          </a:effectRef>
+          <a:fontRef idx="minor">
+            <a:schemeClr val="lt1"/>
+          </a:fontRef>
+        </p:style>
+        <p:txBody>
+          <a:bodyPr rtlCol="0" anchor="ctr"/>
+          <a:lstStyle/>
+          <a:p>
+            <a:pPr algn="ctr"/>
+            <a:r>
+              <a:rPr lang="en-US" dirty="0" smtClean="0"/>
+              <a:t>Fsum.exe</a:t>
+            </a:r>
+            <a:endParaRPr lang="en-US" dirty="0"/>
+          </a:p>
+        </p:txBody>
+      </p:sp>
+    </p:spTree>
+  </p:cSld>
+  <p:clrMapOvr>
+    <a:masterClrMapping/>
+  </p:clrMapOvr>
+</p:sld>
+</file>
+
+<file path=ppt/slides/slide26.xml><?xml version="1.0" encoding="utf-8"?>
+<p:sld xmlns:a="http://schemas.openxmlformats.org/drawingml/2006/main" xmlns:r="http://schemas.openxmlformats.org/officeDocument/2006/relationships" xmlns:p="http://schemas.openxmlformats.org/presentationml/2006/main">
+  <p:cSld>
+    <p:spTree>
+      <p:nvGrpSpPr>
+        <p:cNvPr id="1" name=""/>
+        <p:cNvGrpSpPr/>
+        <p:nvPr/>
+      </p:nvGrpSpPr>
+      <p:grpSpPr>
+        <a:xfrm>
+          <a:off x="0" y="0"/>
+          <a:ext cx="0" cy="0"/>
+          <a:chOff x="0" y="0"/>
+          <a:chExt cx="0" cy="0"/>
+        </a:xfrm>
+      </p:grpSpPr>
+      <p:sp>
+        <p:nvSpPr>
+          <p:cNvPr id="2" name="Title 1"/>
+          <p:cNvSpPr>
+            <a:spLocks noGrp="1"/>
+          </p:cNvSpPr>
+          <p:nvPr>
+            <p:ph type="title"/>
+          </p:nvPr>
+        </p:nvSpPr>
+        <p:spPr/>
+        <p:txBody>
+          <a:bodyPr/>
+          <a:lstStyle/>
+          <a:p>
+            <a:r>
+              <a:rPr lang="en-US" dirty="0" smtClean="0"/>
+              <a:t>RSync</a:t>
+            </a:r>
+            <a:endParaRPr lang="en-US" dirty="0"/>
+          </a:p>
+        </p:txBody>
+      </p:sp>
+      <p:sp>
+        <p:nvSpPr>
+          <p:cNvPr id="3" name="Content Placeholder 2"/>
+          <p:cNvSpPr>
+            <a:spLocks noGrp="1"/>
+          </p:cNvSpPr>
+          <p:nvPr>
+            <p:ph idx="1"/>
+          </p:nvPr>
+        </p:nvSpPr>
+        <p:spPr/>
+        <p:txBody>
+          <a:bodyPr/>
+          <a:lstStyle/>
+          <a:p>
+            <a:endParaRPr lang="en-US" dirty="0"/>
+          </a:p>
+        </p:txBody>
+      </p:sp>
+    </p:spTree>
+  </p:cSld>
+  <p:clrMapOvr>
+    <a:masterClrMapping/>
+  </p:clrMapOvr>
+</p:sld>
+</file>
+
+<file path=ppt/slides/slide27.xml><?xml version="1.0" encoding="utf-8"?>
+<p:sld xmlns:a="http://schemas.openxmlformats.org/drawingml/2006/main" xmlns:r="http://schemas.openxmlformats.org/officeDocument/2006/relationships" xmlns:p="http://schemas.openxmlformats.org/presentationml/2006/main">
+  <p:cSld>
+    <p:spTree>
+      <p:nvGrpSpPr>
+        <p:cNvPr id="1" name=""/>
+        <p:cNvGrpSpPr/>
+        <p:nvPr/>
+      </p:nvGrpSpPr>
+      <p:grpSpPr>
+        <a:xfrm>
+          <a:off x="0" y="0"/>
+          <a:ext cx="0" cy="0"/>
+          <a:chOff x="0" y="0"/>
+          <a:chExt cx="0" cy="0"/>
+        </a:xfrm>
+      </p:grpSpPr>
+      <p:sp>
+        <p:nvSpPr>
+          <p:cNvPr id="2" name="Title 1"/>
+          <p:cNvSpPr>
+            <a:spLocks noGrp="1"/>
+          </p:cNvSpPr>
+          <p:nvPr>
+            <p:ph type="title"/>
+          </p:nvPr>
+        </p:nvSpPr>
+        <p:spPr/>
+        <p:txBody>
+          <a:bodyPr/>
+          <a:lstStyle/>
+          <a:p>
+            <a:r>
+              <a:rPr lang="en-US" dirty="0" smtClean="0"/>
+              <a:t>Linux Hand Link</a:t>
+            </a:r>
+            <a:endParaRPr lang="en-US" dirty="0"/>
+          </a:p>
+        </p:txBody>
+      </p:sp>
+      <p:sp>
+        <p:nvSpPr>
+          <p:cNvPr id="5" name="Rectangle 4"/>
+          <p:cNvSpPr/>
+          <p:nvPr/>
+        </p:nvSpPr>
+        <p:spPr>
+          <a:xfrm>
+            <a:off x="611560" y="1340768"/>
+            <a:ext cx="3888432" cy="2016224"/>
+          </a:xfrm>
+          <a:prstGeom prst="rect">
+            <a:avLst/>
+          </a:prstGeom>
+        </p:spPr>
+        <p:style>
+          <a:lnRef idx="2">
+            <a:schemeClr val="accent1">
+              <a:shade val="50000"/>
+            </a:schemeClr>
+          </a:lnRef>
+          <a:fillRef idx="1">
+            <a:schemeClr val="accent1"/>
+          </a:fillRef>
+          <a:effectRef idx="0">
+            <a:schemeClr val="accent1"/>
+          </a:effectRef>
+          <a:fontRef idx="minor">
+            <a:schemeClr val="lt1"/>
+          </a:fontRef>
+        </p:style>
+        <p:txBody>
+          <a:bodyPr rtlCol="0" anchor="ctr"/>
+          <a:lstStyle/>
+          <a:p>
+            <a:pPr>
+              <a:buFont typeface="Arial" pitchFamily="34" charset="0"/>
+              <a:buChar char="•"/>
+            </a:pPr>
+            <a:r>
+              <a:rPr lang="en-US" dirty="0" smtClean="0"/>
+              <a:t>Hard links</a:t>
+            </a:r>
+          </a:p>
+          <a:p>
+            <a:pPr>
+              <a:buFont typeface="Arial" pitchFamily="34" charset="0"/>
+              <a:buChar char="•"/>
+            </a:pPr>
+            <a:r>
+              <a:rPr lang="en-US" dirty="0" smtClean="0"/>
+              <a:t>Cannot links directories </a:t>
+            </a:r>
+          </a:p>
+          <a:p>
+            <a:pPr>
+              <a:buFont typeface="Arial" pitchFamily="34" charset="0"/>
+              <a:buChar char="•"/>
+            </a:pPr>
+            <a:r>
+              <a:rPr lang="en-US" dirty="0" smtClean="0"/>
+              <a:t>Cannot cross file system boundaries</a:t>
+            </a:r>
+          </a:p>
+          <a:p>
+            <a:pPr>
+              <a:buFont typeface="Arial" pitchFamily="34" charset="0"/>
+              <a:buChar char="•"/>
+            </a:pPr>
+            <a:r>
+              <a:rPr lang="en-US" dirty="0" smtClean="0"/>
+              <a:t>Still can access the content even if the source file is removed</a:t>
+            </a:r>
+          </a:p>
+          <a:p>
+            <a:pPr>
+              <a:buFont typeface="Arial" pitchFamily="34" charset="0"/>
+              <a:buChar char="•"/>
+            </a:pPr>
+            <a:r>
+              <a:rPr lang="en-US" dirty="0" smtClean="0"/>
+              <a:t>Only all last hard links and source file are removed, the file is removed</a:t>
+            </a:r>
+            <a:endParaRPr lang="en-US" dirty="0"/>
+          </a:p>
+        </p:txBody>
+      </p:sp>
+      <p:sp>
+        <p:nvSpPr>
+          <p:cNvPr id="6" name="Rectangle 5"/>
+          <p:cNvSpPr/>
+          <p:nvPr/>
+        </p:nvSpPr>
+        <p:spPr>
+          <a:xfrm>
+            <a:off x="611560" y="3933056"/>
+            <a:ext cx="3888432" cy="2016224"/>
+          </a:xfrm>
+          <a:prstGeom prst="rect">
+            <a:avLst/>
+          </a:prstGeom>
+        </p:spPr>
+        <p:style>
+          <a:lnRef idx="2">
+            <a:schemeClr val="accent1">
+              <a:shade val="50000"/>
+            </a:schemeClr>
+          </a:lnRef>
+          <a:fillRef idx="1">
+            <a:schemeClr val="accent1"/>
+          </a:fillRef>
+          <a:effectRef idx="0">
+            <a:schemeClr val="accent1"/>
+          </a:effectRef>
+          <a:fontRef idx="minor">
+            <a:schemeClr val="lt1"/>
+          </a:fontRef>
+        </p:style>
+        <p:txBody>
+          <a:bodyPr rtlCol="0" anchor="ctr"/>
+          <a:lstStyle/>
+          <a:p>
+            <a:pPr>
+              <a:buFont typeface="Arial" pitchFamily="34" charset="0"/>
+              <a:buChar char="•"/>
+            </a:pPr>
+            <a:r>
+              <a:rPr lang="en-US" dirty="0" smtClean="0"/>
+              <a:t>Soft links</a:t>
+            </a:r>
+          </a:p>
+          <a:p>
+            <a:pPr>
+              <a:buFont typeface="Arial" pitchFamily="34" charset="0"/>
+              <a:buChar char="•"/>
+            </a:pPr>
+            <a:r>
+              <a:rPr lang="en-US" dirty="0" smtClean="0"/>
+              <a:t>Can links directories </a:t>
+            </a:r>
+          </a:p>
+          <a:p>
+            <a:pPr>
+              <a:buFont typeface="Arial" pitchFamily="34" charset="0"/>
+              <a:buChar char="•"/>
+            </a:pPr>
+            <a:r>
+              <a:rPr lang="en-US" dirty="0" smtClean="0"/>
+              <a:t>Can cross file system boundaries</a:t>
+            </a:r>
+          </a:p>
+          <a:p>
+            <a:pPr>
+              <a:buFont typeface="Arial" pitchFamily="34" charset="0"/>
+              <a:buChar char="•"/>
+            </a:pPr>
+            <a:r>
+              <a:rPr lang="en-US" dirty="0" smtClean="0"/>
+              <a:t>Cannot access the content when the source file is removed</a:t>
+            </a:r>
+          </a:p>
+          <a:p>
+            <a:pPr>
+              <a:buFont typeface="Arial" pitchFamily="34" charset="0"/>
+              <a:buChar char="•"/>
+            </a:pPr>
+            <a:r>
+              <a:rPr lang="en-US" dirty="0" smtClean="0"/>
+              <a:t>All soft links don’t work when the source file is removed</a:t>
+            </a:r>
+          </a:p>
+        </p:txBody>
+      </p:sp>
+    </p:spTree>
+  </p:cSld>
+  <p:clrMapOvr>
+    <a:masterClrMapping/>
+  </p:clrMapOvr>
+</p:sld>
+</file>
+
+<file path=ppt/slides/slide28.xml><?xml version="1.0" encoding="utf-8"?>
+<p:sld xmlns:a="http://schemas.openxmlformats.org/drawingml/2006/main" xmlns:r="http://schemas.openxmlformats.org/officeDocument/2006/relationships" xmlns:p="http://schemas.openxmlformats.org/presentationml/2006/main">
+  <p:cSld>
+    <p:spTree>
+      <p:nvGrpSpPr>
+        <p:cNvPr id="1" name=""/>
+        <p:cNvGrpSpPr/>
+        <p:nvPr/>
+      </p:nvGrpSpPr>
+      <p:grpSpPr>
+        <a:xfrm>
+          <a:off x="0" y="0"/>
+          <a:ext cx="0" cy="0"/>
+          <a:chOff x="0" y="0"/>
+          <a:chExt cx="0" cy="0"/>
+        </a:xfrm>
+      </p:grpSpPr>
+      <p:sp>
+        <p:nvSpPr>
+          <p:cNvPr id="2" name="Title 1"/>
+          <p:cNvSpPr>
+            <a:spLocks noGrp="1"/>
+          </p:cNvSpPr>
+          <p:nvPr>
+            <p:ph type="title"/>
+          </p:nvPr>
+        </p:nvSpPr>
+        <p:spPr/>
+        <p:txBody>
+          <a:bodyPr>
+            <a:normAutofit/>
+          </a:bodyPr>
+          <a:lstStyle/>
+          <a:p>
+            <a:r>
+              <a:rPr lang="en-US" dirty="0" smtClean="0"/>
+              <a:t>Same files just store one copy</a:t>
+            </a:r>
+            <a:endParaRPr lang="en-US" dirty="0"/>
+          </a:p>
+        </p:txBody>
+      </p:sp>
+      <p:sp>
+        <p:nvSpPr>
+          <p:cNvPr id="3" name="Content Placeholder 2"/>
+          <p:cNvSpPr>
+            <a:spLocks noGrp="1"/>
+          </p:cNvSpPr>
+          <p:nvPr>
+            <p:ph idx="1"/>
+          </p:nvPr>
+        </p:nvSpPr>
+        <p:spPr/>
+        <p:txBody>
+          <a:bodyPr/>
+          <a:lstStyle/>
+          <a:p>
+            <a:endParaRPr lang="en-US"/>
+          </a:p>
+        </p:txBody>
+      </p:sp>
+    </p:spTree>
+  </p:cSld>
+  <p:clrMapOvr>
+    <a:masterClrMapping/>
+  </p:clrMapOvr>
+</p:sld>
+</file>
+
+<file path=ppt/slides/slide29.xml><?xml version="1.0" encoding="utf-8"?>
+<p:sld xmlns:a="http://schemas.openxmlformats.org/drawingml/2006/main" xmlns:r="http://schemas.openxmlformats.org/officeDocument/2006/relationships" xmlns:p="http://schemas.openxmlformats.org/presentationml/2006/main">
+  <p:cSld>
+    <p:spTree>
+      <p:nvGrpSpPr>
+        <p:cNvPr id="1" name=""/>
+        <p:cNvGrpSpPr/>
+        <p:nvPr/>
+      </p:nvGrpSpPr>
+      <p:grpSpPr>
+        <a:xfrm>
+          <a:off x="0" y="0"/>
+          <a:ext cx="0" cy="0"/>
+          <a:chOff x="0" y="0"/>
+          <a:chExt cx="0" cy="0"/>
+        </a:xfrm>
+      </p:grpSpPr>
+      <p:sp>
+        <p:nvSpPr>
+          <p:cNvPr id="2" name="Title 1"/>
+          <p:cNvSpPr>
+            <a:spLocks noGrp="1"/>
+          </p:cNvSpPr>
+          <p:nvPr>
+            <p:ph type="title"/>
+          </p:nvPr>
+        </p:nvSpPr>
+        <p:spPr/>
+        <p:txBody>
+          <a:bodyPr>
+            <a:normAutofit fontScale="90000"/>
+          </a:bodyPr>
+          <a:lstStyle/>
+          <a:p>
+            <a:r>
+              <a:rPr lang="en-US" dirty="0" smtClean="0"/>
+              <a:t>Just RSync the files which are not existed in </a:t>
+            </a:r>
+            <a:r>
+              <a:rPr lang="en-US" dirty="0" err="1" smtClean="0"/>
+              <a:t>Rsync</a:t>
+            </a:r>
+            <a:r>
+              <a:rPr lang="en-US" dirty="0" smtClean="0"/>
+              <a:t> Server</a:t>
+            </a:r>
+            <a:br>
+              <a:rPr lang="en-US" dirty="0" smtClean="0"/>
+            </a:br>
+            <a:endParaRPr lang="en-US" dirty="0"/>
+          </a:p>
+        </p:txBody>
+      </p:sp>
+      <p:sp>
+        <p:nvSpPr>
+          <p:cNvPr id="3" name="Content Placeholder 2"/>
+          <p:cNvSpPr>
+            <a:spLocks noGrp="1"/>
+          </p:cNvSpPr>
+          <p:nvPr>
+            <p:ph idx="1"/>
+          </p:nvPr>
+        </p:nvSpPr>
+        <p:spPr/>
+        <p:txBody>
+          <a:bodyPr/>
+          <a:lstStyle/>
+          <a:p>
+            <a:endParaRPr lang="en-US" dirty="0"/>
+          </a:p>
+        </p:txBody>
+      </p:sp>
+    </p:spTree>
+  </p:cSld>
+  <p:clrMapOvr>
+    <a:masterClrMapping/>
+  </p:clrMapOvr>
 </p:sld>
 </file>
 
@@ -10909,6 +11700,69 @@
       <p:bldP spid="39" grpId="0"/>
     </p:bldLst>
   </p:timing>
+</p:sld>
+</file>
+
+<file path=ppt/slides/slide30.xml><?xml version="1.0" encoding="utf-8"?>
+<p:sld xmlns:a="http://schemas.openxmlformats.org/drawingml/2006/main" xmlns:r="http://schemas.openxmlformats.org/officeDocument/2006/relationships" xmlns:p="http://schemas.openxmlformats.org/presentationml/2006/main">
+  <p:cSld>
+    <p:spTree>
+      <p:nvGrpSpPr>
+        <p:cNvPr id="1" name=""/>
+        <p:cNvGrpSpPr/>
+        <p:nvPr/>
+      </p:nvGrpSpPr>
+      <p:grpSpPr>
+        <a:xfrm>
+          <a:off x="0" y="0"/>
+          <a:ext cx="0" cy="0"/>
+          <a:chOff x="0" y="0"/>
+          <a:chExt cx="0" cy="0"/>
+        </a:xfrm>
+      </p:grpSpPr>
+      <p:sp>
+        <p:nvSpPr>
+          <p:cNvPr id="2" name="Title 1"/>
+          <p:cNvSpPr>
+            <a:spLocks noGrp="1"/>
+          </p:cNvSpPr>
+          <p:nvPr>
+            <p:ph type="title"/>
+          </p:nvPr>
+        </p:nvSpPr>
+        <p:spPr/>
+        <p:txBody>
+          <a:bodyPr/>
+          <a:lstStyle/>
+          <a:p>
+            <a:endParaRPr lang="en-US" dirty="0"/>
+          </a:p>
+        </p:txBody>
+      </p:sp>
+      <p:sp>
+        <p:nvSpPr>
+          <p:cNvPr id="3" name="Content Placeholder 2"/>
+          <p:cNvSpPr>
+            <a:spLocks noGrp="1"/>
+          </p:cNvSpPr>
+          <p:nvPr>
+            <p:ph idx="1"/>
+          </p:nvPr>
+        </p:nvSpPr>
+        <p:spPr/>
+        <p:txBody>
+          <a:bodyPr/>
+          <a:lstStyle/>
+          <a:p>
+            <a:endParaRPr lang="en-US"/>
+          </a:p>
+        </p:txBody>
+      </p:sp>
+    </p:spTree>
+  </p:cSld>
+  <p:clrMapOvr>
+    <a:masterClrMapping/>
+  </p:clrMapOvr>
 </p:sld>
 </file>
 
@@ -14257,7 +15111,15 @@
           <a:p>
             <a:r>
               <a:rPr lang="en-US" dirty="0" smtClean="0"/>
-              <a:t>‘Store Box Posting Client Rsync’ is just for BRE.</a:t>
+              <a:t>‘Store Box Posting Client </a:t>
+            </a:r>
+            <a:r>
+              <a:rPr lang="en-US" dirty="0" err="1" smtClean="0"/>
+              <a:t>Rsync</a:t>
+            </a:r>
+            <a:r>
+              <a:rPr lang="en-US" dirty="0" smtClean="0"/>
+              <a:t>’ is just for BRE.</a:t>
             </a:r>
           </a:p>
         </p:txBody>

--- a/Trunk/bredoc/StoreBox-central_storage_and_quick_posting.pptx
+++ b/Trunk/bredoc/StoreBox-central_storage_and_quick_posting.pptx
@@ -23,18 +23,20 @@
     <p:sldId id="278" r:id="rId17"/>
     <p:sldId id="279" r:id="rId18"/>
     <p:sldId id="282" r:id="rId19"/>
-    <p:sldId id="284" r:id="rId20"/>
-    <p:sldId id="263" r:id="rId21"/>
-    <p:sldId id="280" r:id="rId22"/>
-    <p:sldId id="281" r:id="rId23"/>
-    <p:sldId id="283" r:id="rId24"/>
-    <p:sldId id="285" r:id="rId25"/>
-    <p:sldId id="286" r:id="rId26"/>
-    <p:sldId id="288" r:id="rId27"/>
-    <p:sldId id="287" r:id="rId28"/>
-    <p:sldId id="289" r:id="rId29"/>
-    <p:sldId id="290" r:id="rId30"/>
-    <p:sldId id="291" r:id="rId31"/>
+    <p:sldId id="293" r:id="rId20"/>
+    <p:sldId id="284" r:id="rId21"/>
+    <p:sldId id="263" r:id="rId22"/>
+    <p:sldId id="292" r:id="rId23"/>
+    <p:sldId id="280" r:id="rId24"/>
+    <p:sldId id="281" r:id="rId25"/>
+    <p:sldId id="283" r:id="rId26"/>
+    <p:sldId id="285" r:id="rId27"/>
+    <p:sldId id="286" r:id="rId28"/>
+    <p:sldId id="288" r:id="rId29"/>
+    <p:sldId id="287" r:id="rId30"/>
+    <p:sldId id="289" r:id="rId31"/>
+    <p:sldId id="290" r:id="rId32"/>
+    <p:sldId id="291" r:id="rId33"/>
   </p:sldIdLst>
   <p:sldSz cx="9144000" cy="6858000" type="screen4x3"/>
   <p:notesSz cx="6858000" cy="9144000"/>
@@ -318,7 +320,7 @@
             <a:fld id="{265A8CBC-0F4F-4AAC-8EC2-BFC3190D591A}" type="datetimeFigureOut">
               <a:rPr lang="en-US" smtClean="0"/>
               <a:pPr/>
-              <a:t>8/20/2010</a:t>
+              <a:t>11/5/2010</a:t>
             </a:fld>
             <a:endParaRPr lang="en-US"/>
           </a:p>
@@ -485,7 +487,7 @@
             <a:fld id="{265A8CBC-0F4F-4AAC-8EC2-BFC3190D591A}" type="datetimeFigureOut">
               <a:rPr lang="en-US" smtClean="0"/>
               <a:pPr/>
-              <a:t>8/20/2010</a:t>
+              <a:t>11/5/2010</a:t>
             </a:fld>
             <a:endParaRPr lang="en-US"/>
           </a:p>
@@ -662,7 +664,7 @@
             <a:fld id="{265A8CBC-0F4F-4AAC-8EC2-BFC3190D591A}" type="datetimeFigureOut">
               <a:rPr lang="en-US" smtClean="0"/>
               <a:pPr/>
-              <a:t>8/20/2010</a:t>
+              <a:t>11/5/2010</a:t>
             </a:fld>
             <a:endParaRPr lang="en-US"/>
           </a:p>
@@ -829,7 +831,7 @@
             <a:fld id="{265A8CBC-0F4F-4AAC-8EC2-BFC3190D591A}" type="datetimeFigureOut">
               <a:rPr lang="en-US" smtClean="0"/>
               <a:pPr/>
-              <a:t>8/20/2010</a:t>
+              <a:t>11/5/2010</a:t>
             </a:fld>
             <a:endParaRPr lang="en-US"/>
           </a:p>
@@ -1072,7 +1074,7 @@
             <a:fld id="{265A8CBC-0F4F-4AAC-8EC2-BFC3190D591A}" type="datetimeFigureOut">
               <a:rPr lang="en-US" smtClean="0"/>
               <a:pPr/>
-              <a:t>8/20/2010</a:t>
+              <a:t>11/5/2010</a:t>
             </a:fld>
             <a:endParaRPr lang="en-US"/>
           </a:p>
@@ -1357,7 +1359,7 @@
             <a:fld id="{265A8CBC-0F4F-4AAC-8EC2-BFC3190D591A}" type="datetimeFigureOut">
               <a:rPr lang="en-US" smtClean="0"/>
               <a:pPr/>
-              <a:t>8/20/2010</a:t>
+              <a:t>11/5/2010</a:t>
             </a:fld>
             <a:endParaRPr lang="en-US"/>
           </a:p>
@@ -1776,7 +1778,7 @@
             <a:fld id="{265A8CBC-0F4F-4AAC-8EC2-BFC3190D591A}" type="datetimeFigureOut">
               <a:rPr lang="en-US" smtClean="0"/>
               <a:pPr/>
-              <a:t>8/20/2010</a:t>
+              <a:t>11/5/2010</a:t>
             </a:fld>
             <a:endParaRPr lang="en-US"/>
           </a:p>
@@ -1891,7 +1893,7 @@
             <a:fld id="{265A8CBC-0F4F-4AAC-8EC2-BFC3190D591A}" type="datetimeFigureOut">
               <a:rPr lang="en-US" smtClean="0"/>
               <a:pPr/>
-              <a:t>8/20/2010</a:t>
+              <a:t>11/5/2010</a:t>
             </a:fld>
             <a:endParaRPr lang="en-US"/>
           </a:p>
@@ -1983,7 +1985,7 @@
             <a:fld id="{265A8CBC-0F4F-4AAC-8EC2-BFC3190D591A}" type="datetimeFigureOut">
               <a:rPr lang="en-US" smtClean="0"/>
               <a:pPr/>
-              <a:t>8/20/2010</a:t>
+              <a:t>11/5/2010</a:t>
             </a:fld>
             <a:endParaRPr lang="en-US"/>
           </a:p>
@@ -2257,7 +2259,7 @@
             <a:fld id="{265A8CBC-0F4F-4AAC-8EC2-BFC3190D591A}" type="datetimeFigureOut">
               <a:rPr lang="en-US" smtClean="0"/>
               <a:pPr/>
-              <a:t>8/20/2010</a:t>
+              <a:t>11/5/2010</a:t>
             </a:fld>
             <a:endParaRPr lang="en-US"/>
           </a:p>
@@ -2507,7 +2509,7 @@
             <a:fld id="{265A8CBC-0F4F-4AAC-8EC2-BFC3190D591A}" type="datetimeFigureOut">
               <a:rPr lang="en-US" smtClean="0"/>
               <a:pPr/>
-              <a:t>8/20/2010</a:t>
+              <a:t>11/5/2010</a:t>
             </a:fld>
             <a:endParaRPr lang="en-US"/>
           </a:p>
@@ -2717,7 +2719,7 @@
             <a:fld id="{265A8CBC-0F4F-4AAC-8EC2-BFC3190D591A}" type="datetimeFigureOut">
               <a:rPr lang="en-US" smtClean="0"/>
               <a:pPr/>
-              <a:t>8/20/2010</a:t>
+              <a:t>11/5/2010</a:t>
             </a:fld>
             <a:endParaRPr lang="en-US"/>
           </a:p>
@@ -4496,6 +4498,50 @@
           </a:p>
         </p:txBody>
       </p:sp>
+      <p:sp>
+        <p:nvSpPr>
+          <p:cNvPr id="4" name="Rectangle 3"/>
+          <p:cNvSpPr/>
+          <p:nvPr/>
+        </p:nvSpPr>
+        <p:spPr>
+          <a:xfrm>
+            <a:off x="3851920" y="3717032"/>
+            <a:ext cx="4032448" cy="936104"/>
+          </a:xfrm>
+          <a:prstGeom prst="rect">
+            <a:avLst/>
+          </a:prstGeom>
+        </p:spPr>
+        <p:style>
+          <a:lnRef idx="2">
+            <a:schemeClr val="accent1">
+              <a:shade val="50000"/>
+            </a:schemeClr>
+          </a:lnRef>
+          <a:fillRef idx="1">
+            <a:schemeClr val="accent1"/>
+          </a:fillRef>
+          <a:effectRef idx="0">
+            <a:schemeClr val="accent1"/>
+          </a:effectRef>
+          <a:fontRef idx="minor">
+            <a:schemeClr val="lt1"/>
+          </a:fontRef>
+        </p:style>
+        <p:txBody>
+          <a:bodyPr rtlCol="0" anchor="ctr"/>
+          <a:lstStyle/>
+          <a:p>
+            <a:pPr algn="ctr"/>
+            <a:r>
+              <a:rPr lang="en-US" dirty="0" smtClean="0"/>
+              <a:t>Can support Windows / Mac (Linux)</a:t>
+            </a:r>
+            <a:endParaRPr lang="en-US" dirty="0"/>
+          </a:p>
+        </p:txBody>
+      </p:sp>
     </p:spTree>
   </p:cSld>
   <p:clrMapOvr>
@@ -4545,7 +4591,7 @@
           <a:p>
             <a:r>
               <a:rPr lang="en-US" dirty="0" smtClean="0"/>
-              <a:t>Install</a:t>
+              <a:t>Install for windows</a:t>
             </a:r>
             <a:endParaRPr lang="en-US" dirty="0"/>
           </a:p>
@@ -6514,15 +6560,7 @@
           <a:p>
             <a:r>
               <a:rPr lang="en-US" dirty="0" smtClean="0"/>
-              <a:t>Get the files list which </a:t>
-            </a:r>
-            <a:r>
-              <a:rPr lang="en-US" dirty="0" err="1" smtClean="0"/>
-              <a:t>contian</a:t>
-            </a:r>
-            <a:r>
-              <a:rPr lang="en-US" dirty="0" smtClean="0"/>
-              <a:t> really need post files from </a:t>
+              <a:t>Get the files  list from </a:t>
             </a:r>
             <a:r>
               <a:rPr lang="en-US" dirty="0" err="1" smtClean="0"/>
@@ -6530,7 +6568,7 @@
             </a:r>
             <a:r>
               <a:rPr lang="en-US" dirty="0" smtClean="0"/>
-              <a:t> server</a:t>
+              <a:t> server, the list contains the files really need post</a:t>
             </a:r>
           </a:p>
           <a:p>
@@ -7153,6 +7191,425 @@
 </file>
 
 <file path=ppt/slides/slide19.xml><?xml version="1.0" encoding="utf-8"?>
+<p:sld xmlns:a="http://schemas.openxmlformats.org/drawingml/2006/main" xmlns:r="http://schemas.openxmlformats.org/officeDocument/2006/relationships" xmlns:p="http://schemas.openxmlformats.org/presentationml/2006/main">
+  <p:cSld>
+    <p:spTree>
+      <p:nvGrpSpPr>
+        <p:cNvPr id="1" name=""/>
+        <p:cNvGrpSpPr/>
+        <p:nvPr/>
+      </p:nvGrpSpPr>
+      <p:grpSpPr>
+        <a:xfrm>
+          <a:off x="0" y="0"/>
+          <a:ext cx="0" cy="0"/>
+          <a:chOff x="0" y="0"/>
+          <a:chExt cx="0" cy="0"/>
+        </a:xfrm>
+      </p:grpSpPr>
+      <p:sp>
+        <p:nvSpPr>
+          <p:cNvPr id="2" name="Title 1"/>
+          <p:cNvSpPr>
+            <a:spLocks noGrp="1"/>
+          </p:cNvSpPr>
+          <p:nvPr>
+            <p:ph type="title"/>
+          </p:nvPr>
+        </p:nvSpPr>
+        <p:spPr/>
+        <p:txBody>
+          <a:bodyPr/>
+          <a:lstStyle/>
+          <a:p>
+            <a:r>
+              <a:rPr lang="en-US" smtClean="0"/>
+              <a:t>One wrapper</a:t>
+            </a:r>
+            <a:endParaRPr lang="en-US" dirty="0"/>
+          </a:p>
+        </p:txBody>
+      </p:sp>
+      <p:sp>
+        <p:nvSpPr>
+          <p:cNvPr id="3" name="Content Placeholder 2"/>
+          <p:cNvSpPr>
+            <a:spLocks noGrp="1"/>
+          </p:cNvSpPr>
+          <p:nvPr>
+            <p:ph idx="1"/>
+          </p:nvPr>
+        </p:nvSpPr>
+        <p:spPr/>
+        <p:txBody>
+          <a:bodyPr>
+            <a:normAutofit fontScale="32500" lnSpcReduction="20000"/>
+          </a:bodyPr>
+          <a:lstStyle/>
+          <a:p>
+            <a:r>
+              <a:rPr lang="en-US" dirty="0" smtClean="0"/>
+              <a:t>if .%1==. </a:t>
+            </a:r>
+            <a:r>
+              <a:rPr lang="en-US" dirty="0" err="1" smtClean="0"/>
+              <a:t>goto</a:t>
+            </a:r>
+            <a:r>
+              <a:rPr lang="en-US" dirty="0" smtClean="0"/>
+              <a:t> usage</a:t>
+            </a:r>
+          </a:p>
+          <a:p>
+            <a:r>
+              <a:rPr lang="en-US" dirty="0" smtClean="0"/>
+              <a:t>if .%2==. </a:t>
+            </a:r>
+            <a:r>
+              <a:rPr lang="en-US" dirty="0" err="1" smtClean="0"/>
+              <a:t>goto</a:t>
+            </a:r>
+            <a:r>
+              <a:rPr lang="en-US" dirty="0" smtClean="0"/>
+              <a:t> usage</a:t>
+            </a:r>
+          </a:p>
+          <a:p>
+            <a:r>
+              <a:rPr lang="en-US" dirty="0" smtClean="0"/>
+              <a:t>if .%3==. </a:t>
+            </a:r>
+            <a:r>
+              <a:rPr lang="en-US" dirty="0" err="1" smtClean="0"/>
+              <a:t>goto</a:t>
+            </a:r>
+            <a:r>
+              <a:rPr lang="en-US" dirty="0" smtClean="0"/>
+              <a:t> usage</a:t>
+            </a:r>
+          </a:p>
+          <a:p>
+            <a:r>
+              <a:rPr lang="en-US" dirty="0" err="1" smtClean="0"/>
+              <a:t>goto</a:t>
+            </a:r>
+            <a:r>
+              <a:rPr lang="en-US" dirty="0" smtClean="0"/>
+              <a:t> main</a:t>
+            </a:r>
+          </a:p>
+          <a:p>
+            <a:endParaRPr lang="en-US" dirty="0" smtClean="0"/>
+          </a:p>
+          <a:p>
+            <a:r>
+              <a:rPr lang="en-US" dirty="0" smtClean="0"/>
+              <a:t>:usage</a:t>
+            </a:r>
+          </a:p>
+          <a:p>
+            <a:r>
+              <a:rPr lang="en-US" dirty="0" smtClean="0"/>
+              <a:t>echo usage:</a:t>
+            </a:r>
+          </a:p>
+          <a:p>
+            <a:r>
+              <a:rPr lang="en-US" dirty="0" smtClean="0"/>
+              <a:t>echo %0 MASTERDIR TAG TAGWITHBUILDNUM</a:t>
+            </a:r>
+          </a:p>
+          <a:p>
+            <a:r>
+              <a:rPr lang="en-US" dirty="0" smtClean="0"/>
+              <a:t>echo example:</a:t>
+            </a:r>
+          </a:p>
+          <a:p>
+            <a:r>
+              <a:rPr lang="en-US" dirty="0" smtClean="0"/>
+              <a:t>echo C:\StoreBoxPostingClient\postToRsyncNetapp.bat D:\Map2012\BUILD_34_R017B\ReleaseMasters\R017Bp_swl  map2012px64.tag R017Bp_swl.tag</a:t>
+            </a:r>
+          </a:p>
+          <a:p>
+            <a:r>
+              <a:rPr lang="en-US" dirty="0" err="1" smtClean="0"/>
+              <a:t>goto</a:t>
+            </a:r>
+            <a:r>
+              <a:rPr lang="en-US" dirty="0" smtClean="0"/>
+              <a:t> end</a:t>
+            </a:r>
+          </a:p>
+          <a:p>
+            <a:endParaRPr lang="en-US" dirty="0" smtClean="0"/>
+          </a:p>
+          <a:p>
+            <a:endParaRPr lang="en-US" dirty="0" smtClean="0"/>
+          </a:p>
+          <a:p>
+            <a:r>
+              <a:rPr lang="en-US" dirty="0" smtClean="0"/>
+              <a:t>:main</a:t>
+            </a:r>
+          </a:p>
+          <a:p>
+            <a:r>
+              <a:rPr lang="en-US" dirty="0" smtClean="0"/>
+              <a:t>set STOREBOXROOT=C:\StoreBoxPostingClient</a:t>
+            </a:r>
+          </a:p>
+          <a:p>
+            <a:r>
+              <a:rPr lang="en-US" dirty="0" err="1" smtClean="0"/>
+              <a:t>cd</a:t>
+            </a:r>
+            <a:r>
+              <a:rPr lang="en-US" dirty="0" smtClean="0"/>
+              <a:t> /d %STOREBOXROOT%</a:t>
+            </a:r>
+          </a:p>
+          <a:p>
+            <a:endParaRPr lang="en-US" dirty="0" smtClean="0"/>
+          </a:p>
+          <a:p>
+            <a:r>
+              <a:rPr lang="en-US" dirty="0" smtClean="0"/>
+              <a:t>set MASTERDIR=%1</a:t>
+            </a:r>
+          </a:p>
+          <a:p>
+            <a:r>
+              <a:rPr lang="en-US" dirty="0" smtClean="0"/>
+              <a:t>set TAG=%2</a:t>
+            </a:r>
+          </a:p>
+          <a:p>
+            <a:r>
+              <a:rPr lang="en-US" dirty="0" smtClean="0"/>
+              <a:t>set TAGWITHBUILDNUM=%3</a:t>
+            </a:r>
+          </a:p>
+          <a:p>
+            <a:endParaRPr lang="en-US" dirty="0" smtClean="0"/>
+          </a:p>
+          <a:p>
+            <a:r>
+              <a:rPr lang="en-US" dirty="0" smtClean="0"/>
+              <a:t>copy /Y %STOREBOXROOT%\%TAG% %MASTERDIR%\%TAGWITHBUILDNUM%</a:t>
+            </a:r>
+          </a:p>
+          <a:p>
+            <a:r>
+              <a:rPr lang="en-US" dirty="0" smtClean="0"/>
+              <a:t>call %STOREBOXROOT%\CalcVolMd5.bat %MASTERDIR%</a:t>
+            </a:r>
+          </a:p>
+          <a:p>
+            <a:r>
+              <a:rPr lang="en-US" dirty="0" smtClean="0"/>
+              <a:t>call %STOREBOXROOT%\Post2StoreBox.bat %MASTERDIR%</a:t>
+            </a:r>
+          </a:p>
+          <a:p>
+            <a:r>
+              <a:rPr lang="en-US" dirty="0" err="1" smtClean="0"/>
+              <a:t>goto</a:t>
+            </a:r>
+            <a:r>
+              <a:rPr lang="en-US" dirty="0" smtClean="0"/>
+              <a:t> end</a:t>
+            </a:r>
+          </a:p>
+          <a:p>
+            <a:endParaRPr lang="en-US" dirty="0" smtClean="0"/>
+          </a:p>
+          <a:p>
+            <a:r>
+              <a:rPr lang="en-US" dirty="0" smtClean="0"/>
+              <a:t>:end</a:t>
+            </a:r>
+          </a:p>
+          <a:p>
+            <a:r>
+              <a:rPr lang="en-US" dirty="0" smtClean="0"/>
+              <a:t>exit %</a:t>
+            </a:r>
+            <a:r>
+              <a:rPr lang="en-US" dirty="0" err="1" smtClean="0"/>
+              <a:t>errorlevel</a:t>
+            </a:r>
+            <a:r>
+              <a:rPr lang="en-US" dirty="0" smtClean="0"/>
+              <a:t>%</a:t>
+            </a:r>
+            <a:endParaRPr lang="en-US" dirty="0"/>
+          </a:p>
+        </p:txBody>
+      </p:sp>
+      <p:sp>
+        <p:nvSpPr>
+          <p:cNvPr id="4" name="Rectangle 3"/>
+          <p:cNvSpPr/>
+          <p:nvPr/>
+        </p:nvSpPr>
+        <p:spPr>
+          <a:xfrm>
+            <a:off x="539552" y="1268760"/>
+            <a:ext cx="2376264" cy="216024"/>
+          </a:xfrm>
+          <a:prstGeom prst="rect">
+            <a:avLst/>
+          </a:prstGeom>
+        </p:spPr>
+        <p:style>
+          <a:lnRef idx="2">
+            <a:schemeClr val="accent1">
+              <a:shade val="50000"/>
+            </a:schemeClr>
+          </a:lnRef>
+          <a:fillRef idx="1">
+            <a:schemeClr val="accent1"/>
+          </a:fillRef>
+          <a:effectRef idx="0">
+            <a:schemeClr val="accent1"/>
+          </a:effectRef>
+          <a:fontRef idx="minor">
+            <a:schemeClr val="lt1"/>
+          </a:fontRef>
+        </p:style>
+        <p:txBody>
+          <a:bodyPr rtlCol="0" anchor="ctr"/>
+          <a:lstStyle/>
+          <a:p>
+            <a:pPr algn="ctr"/>
+            <a:r>
+              <a:rPr lang="en-US" dirty="0" smtClean="0"/>
+              <a:t>postToRsyncNetapp.bat </a:t>
+            </a:r>
+            <a:endParaRPr lang="en-US" dirty="0"/>
+          </a:p>
+        </p:txBody>
+      </p:sp>
+    </p:spTree>
+  </p:cSld>
+  <p:clrMapOvr>
+    <a:masterClrMapping/>
+  </p:clrMapOvr>
+</p:sld>
+</file>
+
+<file path=ppt/slides/slide2.xml><?xml version="1.0" encoding="utf-8"?>
+<p:sld xmlns:a="http://schemas.openxmlformats.org/drawingml/2006/main" xmlns:r="http://schemas.openxmlformats.org/officeDocument/2006/relationships" xmlns:p="http://schemas.openxmlformats.org/presentationml/2006/main">
+  <p:cSld>
+    <p:spTree>
+      <p:nvGrpSpPr>
+        <p:cNvPr id="1" name=""/>
+        <p:cNvGrpSpPr/>
+        <p:nvPr/>
+      </p:nvGrpSpPr>
+      <p:grpSpPr>
+        <a:xfrm>
+          <a:off x="0" y="0"/>
+          <a:ext cx="0" cy="0"/>
+          <a:chOff x="0" y="0"/>
+          <a:chExt cx="0" cy="0"/>
+        </a:xfrm>
+      </p:grpSpPr>
+      <p:sp>
+        <p:nvSpPr>
+          <p:cNvPr id="2" name="Title 1"/>
+          <p:cNvSpPr>
+            <a:spLocks noGrp="1"/>
+          </p:cNvSpPr>
+          <p:nvPr>
+            <p:ph type="title"/>
+          </p:nvPr>
+        </p:nvSpPr>
+        <p:spPr/>
+        <p:txBody>
+          <a:bodyPr/>
+          <a:lstStyle/>
+          <a:p>
+            <a:r>
+              <a:rPr lang="en-US" dirty="0" smtClean="0"/>
+              <a:t>agenda</a:t>
+            </a:r>
+            <a:endParaRPr lang="en-US" dirty="0"/>
+          </a:p>
+        </p:txBody>
+      </p:sp>
+      <p:sp>
+        <p:nvSpPr>
+          <p:cNvPr id="3" name="Content Placeholder 2"/>
+          <p:cNvSpPr>
+            <a:spLocks noGrp="1"/>
+          </p:cNvSpPr>
+          <p:nvPr>
+            <p:ph idx="1"/>
+          </p:nvPr>
+        </p:nvSpPr>
+        <p:spPr/>
+        <p:txBody>
+          <a:bodyPr/>
+          <a:lstStyle/>
+          <a:p>
+            <a:r>
+              <a:rPr lang="en-US" dirty="0" smtClean="0"/>
+              <a:t>Architecture of Store Box</a:t>
+            </a:r>
+          </a:p>
+          <a:p>
+            <a:r>
+              <a:rPr lang="en-US" dirty="0" smtClean="0"/>
+              <a:t>Why use Store Box</a:t>
+            </a:r>
+          </a:p>
+          <a:p>
+            <a:r>
+              <a:rPr lang="en-US" dirty="0" smtClean="0"/>
+              <a:t>Store Box Posting Client (</a:t>
+            </a:r>
+            <a:r>
+              <a:rPr lang="en-US" dirty="0" err="1" smtClean="0"/>
+              <a:t>Rsync</a:t>
+            </a:r>
+            <a:r>
+              <a:rPr lang="en-US" dirty="0" smtClean="0"/>
+              <a:t>)(BRE)</a:t>
+            </a:r>
+          </a:p>
+          <a:p>
+            <a:r>
+              <a:rPr lang="en-US" dirty="0" smtClean="0"/>
+              <a:t>Others</a:t>
+            </a:r>
+          </a:p>
+          <a:p>
+            <a:r>
+              <a:rPr lang="en-US" dirty="0" smtClean="0"/>
+              <a:t>Reference</a:t>
+            </a:r>
+            <a:endParaRPr lang="en-US" dirty="0"/>
+          </a:p>
+        </p:txBody>
+      </p:sp>
+    </p:spTree>
+  </p:cSld>
+  <p:clrMapOvr>
+    <a:masterClrMapping/>
+  </p:clrMapOvr>
+  <p:timing>
+    <p:tnLst>
+      <p:par>
+        <p:cTn id="1" dur="indefinite" restart="never" nodeType="tmRoot"/>
+      </p:par>
+    </p:tnLst>
+  </p:timing>
+</p:sld>
+</file>
+
+<file path=ppt/slides/slide20.xml><?xml version="1.0" encoding="utf-8"?>
 <p:sld xmlns:a="http://schemas.openxmlformats.org/drawingml/2006/main" xmlns:r="http://schemas.openxmlformats.org/officeDocument/2006/relationships" xmlns:p="http://schemas.openxmlformats.org/presentationml/2006/main">
   <p:cSld>
     <p:spTree>
@@ -9091,250 +9548,6 @@
   <p:clrMapOvr>
     <a:masterClrMapping/>
   </p:clrMapOvr>
-</p:sld>
-</file>
-
-<file path=ppt/slides/slide2.xml><?xml version="1.0" encoding="utf-8"?>
-<p:sld xmlns:a="http://schemas.openxmlformats.org/drawingml/2006/main" xmlns:r="http://schemas.openxmlformats.org/officeDocument/2006/relationships" xmlns:p="http://schemas.openxmlformats.org/presentationml/2006/main">
-  <p:cSld>
-    <p:spTree>
-      <p:nvGrpSpPr>
-        <p:cNvPr id="1" name=""/>
-        <p:cNvGrpSpPr/>
-        <p:nvPr/>
-      </p:nvGrpSpPr>
-      <p:grpSpPr>
-        <a:xfrm>
-          <a:off x="0" y="0"/>
-          <a:ext cx="0" cy="0"/>
-          <a:chOff x="0" y="0"/>
-          <a:chExt cx="0" cy="0"/>
-        </a:xfrm>
-      </p:grpSpPr>
-      <p:sp>
-        <p:nvSpPr>
-          <p:cNvPr id="2" name="Title 1"/>
-          <p:cNvSpPr>
-            <a:spLocks noGrp="1"/>
-          </p:cNvSpPr>
-          <p:nvPr>
-            <p:ph type="title"/>
-          </p:nvPr>
-        </p:nvSpPr>
-        <p:spPr/>
-        <p:txBody>
-          <a:bodyPr/>
-          <a:lstStyle/>
-          <a:p>
-            <a:r>
-              <a:rPr lang="en-US" dirty="0" smtClean="0"/>
-              <a:t>agenda</a:t>
-            </a:r>
-            <a:endParaRPr lang="en-US" dirty="0"/>
-          </a:p>
-        </p:txBody>
-      </p:sp>
-      <p:sp>
-        <p:nvSpPr>
-          <p:cNvPr id="3" name="Content Placeholder 2"/>
-          <p:cNvSpPr>
-            <a:spLocks noGrp="1"/>
-          </p:cNvSpPr>
-          <p:nvPr>
-            <p:ph idx="1"/>
-          </p:nvPr>
-        </p:nvSpPr>
-        <p:spPr/>
-        <p:txBody>
-          <a:bodyPr/>
-          <a:lstStyle/>
-          <a:p>
-            <a:r>
-              <a:rPr lang="en-US" dirty="0" smtClean="0"/>
-              <a:t>Architecture of Store Box</a:t>
-            </a:r>
-          </a:p>
-          <a:p>
-            <a:r>
-              <a:rPr lang="en-US" dirty="0" smtClean="0"/>
-              <a:t>Why use Store Box</a:t>
-            </a:r>
-          </a:p>
-          <a:p>
-            <a:r>
-              <a:rPr lang="en-US" dirty="0" smtClean="0"/>
-              <a:t>Store Box Posting Client </a:t>
-            </a:r>
-            <a:r>
-              <a:rPr lang="en-US" dirty="0" err="1" smtClean="0"/>
-              <a:t>Rsync</a:t>
-            </a:r>
-            <a:r>
-              <a:rPr lang="en-US" dirty="0" smtClean="0"/>
-              <a:t> (BRE)</a:t>
-            </a:r>
-          </a:p>
-          <a:p>
-            <a:r>
-              <a:rPr lang="en-US" dirty="0" smtClean="0"/>
-              <a:t>Others</a:t>
-            </a:r>
-          </a:p>
-          <a:p>
-            <a:r>
-              <a:rPr lang="en-US" dirty="0" smtClean="0"/>
-              <a:t>Reference</a:t>
-            </a:r>
-            <a:endParaRPr lang="en-US" dirty="0"/>
-          </a:p>
-        </p:txBody>
-      </p:sp>
-    </p:spTree>
-  </p:cSld>
-  <p:clrMapOvr>
-    <a:masterClrMapping/>
-  </p:clrMapOvr>
-  <p:timing>
-    <p:tnLst>
-      <p:par>
-        <p:cTn id="1" dur="indefinite" restart="never" nodeType="tmRoot"/>
-      </p:par>
-    </p:tnLst>
-  </p:timing>
-</p:sld>
-</file>
-
-<file path=ppt/slides/slide20.xml><?xml version="1.0" encoding="utf-8"?>
-<p:sld xmlns:a="http://schemas.openxmlformats.org/drawingml/2006/main" xmlns:r="http://schemas.openxmlformats.org/officeDocument/2006/relationships" xmlns:p="http://schemas.openxmlformats.org/presentationml/2006/main">
-  <p:cSld>
-    <p:spTree>
-      <p:nvGrpSpPr>
-        <p:cNvPr id="1" name=""/>
-        <p:cNvGrpSpPr/>
-        <p:nvPr/>
-      </p:nvGrpSpPr>
-      <p:grpSpPr>
-        <a:xfrm>
-          <a:off x="0" y="0"/>
-          <a:ext cx="0" cy="0"/>
-          <a:chOff x="0" y="0"/>
-          <a:chExt cx="0" cy="0"/>
-        </a:xfrm>
-      </p:grpSpPr>
-      <p:sp>
-        <p:nvSpPr>
-          <p:cNvPr id="2" name="Title 1"/>
-          <p:cNvSpPr>
-            <a:spLocks noGrp="1"/>
-          </p:cNvSpPr>
-          <p:nvPr>
-            <p:ph type="title"/>
-          </p:nvPr>
-        </p:nvSpPr>
-        <p:spPr/>
-        <p:txBody>
-          <a:bodyPr/>
-          <a:lstStyle/>
-          <a:p>
-            <a:r>
-              <a:rPr lang="en-US" dirty="0" smtClean="0"/>
-              <a:t>Status site and notify email</a:t>
-            </a:r>
-            <a:endParaRPr lang="en-US" dirty="0"/>
-          </a:p>
-        </p:txBody>
-      </p:sp>
-      <p:sp>
-        <p:nvSpPr>
-          <p:cNvPr id="3" name="Content Placeholder 2"/>
-          <p:cNvSpPr>
-            <a:spLocks noGrp="1"/>
-          </p:cNvSpPr>
-          <p:nvPr>
-            <p:ph idx="1"/>
-          </p:nvPr>
-        </p:nvSpPr>
-        <p:spPr/>
-        <p:txBody>
-          <a:bodyPr/>
-          <a:lstStyle/>
-          <a:p>
-            <a:r>
-              <a:rPr lang="en-US" dirty="0" smtClean="0"/>
-              <a:t>Status site</a:t>
-            </a:r>
-          </a:p>
-          <a:p>
-            <a:endParaRPr lang="en-US" dirty="0" smtClean="0"/>
-          </a:p>
-          <a:p>
-            <a:endParaRPr lang="en-US" dirty="0" smtClean="0"/>
-          </a:p>
-          <a:p>
-            <a:endParaRPr lang="en-US" dirty="0" smtClean="0"/>
-          </a:p>
-          <a:p>
-            <a:r>
-              <a:rPr lang="en-US" dirty="0" smtClean="0"/>
-              <a:t>Notify email    </a:t>
-            </a:r>
-            <a:endParaRPr lang="en-US" dirty="0"/>
-          </a:p>
-        </p:txBody>
-      </p:sp>
-      <p:pic>
-        <p:nvPicPr>
-          <p:cNvPr id="4" name="Picture 3" descr="Screen shot 2010-05-13 at 9.13.35 .png"/>
-          <p:cNvPicPr>
-            <a:picLocks noChangeAspect="1"/>
-          </p:cNvPicPr>
-          <p:nvPr/>
-        </p:nvPicPr>
-        <p:blipFill>
-          <a:blip r:embed="rId2" cstate="print"/>
-          <a:stretch>
-            <a:fillRect/>
-          </a:stretch>
-        </p:blipFill>
-        <p:spPr>
-          <a:xfrm>
-            <a:off x="4139952" y="3933056"/>
-            <a:ext cx="4320479" cy="2736303"/>
-          </a:xfrm>
-          <a:prstGeom prst="rect">
-            <a:avLst/>
-          </a:prstGeom>
-        </p:spPr>
-      </p:pic>
-      <p:pic>
-        <p:nvPicPr>
-          <p:cNvPr id="7" name="Picture 6" descr="storebox2.png"/>
-          <p:cNvPicPr>
-            <a:picLocks noChangeAspect="1"/>
-          </p:cNvPicPr>
-          <p:nvPr/>
-        </p:nvPicPr>
-        <p:blipFill>
-          <a:blip r:embed="rId3" cstate="print"/>
-          <a:stretch>
-            <a:fillRect/>
-          </a:stretch>
-        </p:blipFill>
-        <p:spPr>
-          <a:xfrm>
-            <a:off x="4139952" y="1268760"/>
-            <a:ext cx="4293308" cy="2592288"/>
-          </a:xfrm>
-          <a:prstGeom prst="rect">
-            <a:avLst/>
-          </a:prstGeom>
-        </p:spPr>
-      </p:pic>
-    </p:spTree>
-  </p:cSld>
-  <p:clrMapOvr>
-    <a:masterClrMapping/>
-  </p:clrMapOvr>
   <p:timing>
     <p:tnLst>
       <p:par>
@@ -9379,7 +9592,7 @@
           <a:p>
             <a:r>
               <a:rPr lang="en-US" dirty="0" smtClean="0"/>
-              <a:t>Other</a:t>
+              <a:t>Status site</a:t>
             </a:r>
             <a:endParaRPr lang="en-US" dirty="0"/>
           </a:p>
@@ -9397,35 +9610,89 @@
         </p:nvSpPr>
         <p:spPr/>
         <p:txBody>
-          <a:bodyPr>
-            <a:normAutofit fontScale="92500" lnSpcReduction="10000"/>
-          </a:bodyPr>
+          <a:bodyPr/>
           <a:lstStyle/>
           <a:p>
-            <a:r>
-              <a:rPr lang="en-US" dirty="0" smtClean="0"/>
-              <a:t>Only for masters post, Not for ISO, EF (big Zip files)</a:t>
-            </a:r>
-          </a:p>
-          <a:p>
+            <a:pPr>
+              <a:buNone/>
+            </a:pPr>
             <a:endParaRPr lang="en-US" dirty="0" smtClean="0"/>
           </a:p>
           <a:p>
-            <a:r>
-              <a:rPr lang="en-US" dirty="0" smtClean="0"/>
-              <a:t>The maters will be post to Localization Server automatically in the future.</a:t>
-            </a:r>
-          </a:p>
-          <a:p>
             <a:endParaRPr lang="en-US" dirty="0" smtClean="0"/>
           </a:p>
           <a:p>
-            <a:r>
-              <a:rPr lang="en-US" dirty="0" smtClean="0"/>
-              <a:t>For the places where have not NetApps, Claudio can help to set up ‘Store Box Client’ to sync the masters to these places automatically.</a:t>
-            </a:r>
-          </a:p>
-          <a:p>
+            <a:pPr>
+              <a:buNone/>
+            </a:pPr>
+            <a:endParaRPr lang="en-US" dirty="0" smtClean="0"/>
+          </a:p>
+        </p:txBody>
+      </p:sp>
+      <p:pic>
+        <p:nvPicPr>
+          <p:cNvPr id="7" name="Picture 6" descr="storebox2.png"/>
+          <p:cNvPicPr>
+            <a:picLocks noChangeAspect="1"/>
+          </p:cNvPicPr>
+          <p:nvPr/>
+        </p:nvPicPr>
+        <p:blipFill>
+          <a:blip r:embed="rId2" cstate="print"/>
+          <a:stretch>
+            <a:fillRect/>
+          </a:stretch>
+        </p:blipFill>
+        <p:spPr>
+          <a:xfrm>
+            <a:off x="755576" y="1268760"/>
+            <a:ext cx="7128792" cy="4304346"/>
+          </a:xfrm>
+          <a:prstGeom prst="rect">
+            <a:avLst/>
+          </a:prstGeom>
+        </p:spPr>
+      </p:pic>
+      <p:sp>
+        <p:nvSpPr>
+          <p:cNvPr id="6" name="Rectangle 5"/>
+          <p:cNvSpPr/>
+          <p:nvPr/>
+        </p:nvSpPr>
+        <p:spPr>
+          <a:xfrm>
+            <a:off x="251520" y="5661248"/>
+            <a:ext cx="8568952" cy="792088"/>
+          </a:xfrm>
+          <a:prstGeom prst="rect">
+            <a:avLst/>
+          </a:prstGeom>
+        </p:spPr>
+        <p:style>
+          <a:lnRef idx="2">
+            <a:schemeClr val="accent1">
+              <a:shade val="50000"/>
+            </a:schemeClr>
+          </a:lnRef>
+          <a:fillRef idx="1">
+            <a:schemeClr val="accent1"/>
+          </a:fillRef>
+          <a:effectRef idx="0">
+            <a:schemeClr val="accent1"/>
+          </a:effectRef>
+          <a:fontRef idx="minor">
+            <a:schemeClr val="lt1"/>
+          </a:fontRef>
+        </p:style>
+        <p:txBody>
+          <a:bodyPr rtlCol="0" anchor="ctr"/>
+          <a:lstStyle/>
+          <a:p>
+            <a:pPr algn="ctr"/>
+            <a:r>
+              <a:rPr lang="en-US" dirty="0" smtClean="0"/>
+              <a:t>http://rsync.autodesk.com/</a:t>
+            </a:r>
             <a:endParaRPr lang="en-US" dirty="0"/>
           </a:p>
         </p:txBody>
@@ -9438,9 +9705,126 @@
   <p:timing>
     <p:tnLst>
       <p:par>
-        <p:cTn id="1" dur="indefinite" restart="never" nodeType="tmRoot"/>
+        <p:cTn id="1" dur="indefinite" restart="never" nodeType="tmRoot">
+          <p:childTnLst>
+            <p:seq concurrent="1" nextAc="seek">
+              <p:cTn id="2" dur="indefinite" nodeType="mainSeq">
+                <p:childTnLst>
+                  <p:par>
+                    <p:cTn id="3" fill="hold">
+                      <p:stCondLst>
+                        <p:cond delay="indefinite"/>
+                      </p:stCondLst>
+                      <p:childTnLst>
+                        <p:par>
+                          <p:cTn id="4" fill="hold">
+                            <p:stCondLst>
+                              <p:cond delay="0"/>
+                            </p:stCondLst>
+                            <p:childTnLst>
+                              <p:par>
+                                <p:cTn id="5" presetID="2" presetClass="entr" presetSubtype="4" fill="hold" grpId="0" nodeType="clickEffect">
+                                  <p:stCondLst>
+                                    <p:cond delay="0"/>
+                                  </p:stCondLst>
+                                  <p:childTnLst>
+                                    <p:set>
+                                      <p:cBhvr>
+                                        <p:cTn id="6" dur="1" fill="hold">
+                                          <p:stCondLst>
+                                            <p:cond delay="0"/>
+                                          </p:stCondLst>
+                                        </p:cTn>
+                                        <p:tgtEl>
+                                          <p:spTgt spid="6"/>
+                                        </p:tgtEl>
+                                        <p:attrNameLst>
+                                          <p:attrName>style.visibility</p:attrName>
+                                        </p:attrNameLst>
+                                      </p:cBhvr>
+                                      <p:to>
+                                        <p:strVal val="visible"/>
+                                      </p:to>
+                                    </p:set>
+                                    <p:anim calcmode="lin" valueType="num">
+                                      <p:cBhvr additive="base">
+                                        <p:cTn id="7" dur="500" fill="hold"/>
+                                        <p:tgtEl>
+                                          <p:spTgt spid="6"/>
+                                        </p:tgtEl>
+                                        <p:attrNameLst>
+                                          <p:attrName>ppt_x</p:attrName>
+                                        </p:attrNameLst>
+                                      </p:cBhvr>
+                                      <p:tavLst>
+                                        <p:tav tm="0">
+                                          <p:val>
+                                            <p:strVal val="#ppt_x"/>
+                                          </p:val>
+                                        </p:tav>
+                                        <p:tav tm="100000">
+                                          <p:val>
+                                            <p:strVal val="#ppt_x"/>
+                                          </p:val>
+                                        </p:tav>
+                                      </p:tavLst>
+                                    </p:anim>
+                                    <p:anim calcmode="lin" valueType="num">
+                                      <p:cBhvr additive="base">
+                                        <p:cTn id="8" dur="500" fill="hold"/>
+                                        <p:tgtEl>
+                                          <p:spTgt spid="6"/>
+                                        </p:tgtEl>
+                                        <p:attrNameLst>
+                                          <p:attrName>ppt_y</p:attrName>
+                                        </p:attrNameLst>
+                                      </p:cBhvr>
+                                      <p:tavLst>
+                                        <p:tav tm="0">
+                                          <p:val>
+                                            <p:strVal val="1+#ppt_h/2"/>
+                                          </p:val>
+                                        </p:tav>
+                                        <p:tav tm="100000">
+                                          <p:val>
+                                            <p:strVal val="#ppt_y"/>
+                                          </p:val>
+                                        </p:tav>
+                                      </p:tavLst>
+                                    </p:anim>
+                                  </p:childTnLst>
+                                </p:cTn>
+                              </p:par>
+                            </p:childTnLst>
+                          </p:cTn>
+                        </p:par>
+                      </p:childTnLst>
+                    </p:cTn>
+                  </p:par>
+                </p:childTnLst>
+              </p:cTn>
+              <p:prevCondLst>
+                <p:cond evt="onPrev" delay="0">
+                  <p:tgtEl>
+                    <p:sldTgt/>
+                  </p:tgtEl>
+                </p:cond>
+              </p:prevCondLst>
+              <p:nextCondLst>
+                <p:cond evt="onNext" delay="0">
+                  <p:tgtEl>
+                    <p:sldTgt/>
+                  </p:tgtEl>
+                </p:cond>
+              </p:nextCondLst>
+            </p:seq>
+          </p:childTnLst>
+        </p:cTn>
       </p:par>
     </p:tnLst>
+    <p:bldLst>
+      <p:bldP spid="6" grpId="0" animBg="1"/>
+    </p:bldLst>
   </p:timing>
 </p:sld>
 </file>
@@ -9479,7 +9863,7 @@
           <a:p>
             <a:r>
               <a:rPr lang="en-US" dirty="0" smtClean="0"/>
-              <a:t>Reference</a:t>
+              <a:t>notify email</a:t>
             </a:r>
             <a:endParaRPr lang="en-US" dirty="0"/>
           </a:p>
@@ -9501,87 +9885,64 @@
           <a:lstStyle/>
           <a:p>
             <a:r>
-              <a:rPr lang="en-US" dirty="0" smtClean="0">
-                <a:hlinkClick r:id="rId2" action="ppaction://hlinkfile"/>
-              </a:rPr>
-              <a:t>Build and Release Engineering</a:t>
-            </a:r>
-            <a:r>
-              <a:rPr lang="en-US" dirty="0" smtClean="0"/>
-              <a:t> &gt; </a:t>
-            </a:r>
-            <a:r>
-              <a:rPr lang="en-US" dirty="0" smtClean="0">
-                <a:hlinkClick r:id="rId3" action="ppaction://hlinkfile"/>
-              </a:rPr>
-              <a:t>BRE Technology Architecture</a:t>
-            </a:r>
-            <a:r>
-              <a:rPr lang="en-US" dirty="0" smtClean="0"/>
-              <a:t> &gt; </a:t>
-            </a:r>
-            <a:r>
-              <a:rPr lang="en-US" dirty="0" smtClean="0">
-                <a:hlinkClick r:id="rId4" action="ppaction://hlinkfile"/>
-              </a:rPr>
-              <a:t>Documents</a:t>
-            </a:r>
-            <a:r>
-              <a:rPr lang="en-US" dirty="0" smtClean="0"/>
-              <a:t> &gt; </a:t>
-            </a:r>
-            <a:r>
-              <a:rPr lang="en-US" dirty="0" err="1" smtClean="0">
-                <a:hlinkClick r:id="rId5"/>
-              </a:rPr>
-              <a:t>Rsync</a:t>
-            </a:r>
-            <a:r>
-              <a:rPr lang="en-US" dirty="0" smtClean="0"/>
-              <a:t>  </a:t>
-            </a:r>
-          </a:p>
-          <a:p>
-            <a:endParaRPr lang="en-US" dirty="0"/>
-          </a:p>
-          <a:p>
-            <a:r>
-              <a:rPr lang="en-US" dirty="0">
-                <a:hlinkClick r:id="rId6"/>
-              </a:rPr>
-              <a:t>BRE </a:t>
-            </a:r>
-            <a:r>
-              <a:rPr lang="en-US" dirty="0" err="1">
-                <a:hlinkClick r:id="rId6"/>
-              </a:rPr>
-              <a:t>StoreBox</a:t>
-            </a:r>
-            <a:r>
-              <a:rPr lang="en-US" dirty="0">
-                <a:hlinkClick r:id="rId6"/>
-              </a:rPr>
-              <a:t> Support</a:t>
-            </a:r>
-            <a:r>
-              <a:rPr lang="en-US" dirty="0"/>
-              <a:t> </a:t>
-            </a:r>
-            <a:r>
-              <a:rPr lang="en-US" dirty="0" smtClean="0"/>
-              <a:t> (Claudio)</a:t>
-            </a:r>
-            <a:r>
-              <a:rPr lang="en-US" dirty="0"/>
-              <a:t/>
-            </a:r>
-            <a:br>
-              <a:rPr lang="en-US" dirty="0"/>
-            </a:br>
+              <a:rPr lang="en-US" dirty="0" smtClean="0"/>
+              <a:t>Can put PostingNotes.txt or PostingNotes.html in the directory of tag and md5.</a:t>
+            </a:r>
+          </a:p>
+          <a:p>
+            <a:r>
+              <a:rPr lang="en-US" dirty="0" smtClean="0"/>
+              <a:t>and the contents of </a:t>
+            </a:r>
+            <a:r>
+              <a:rPr lang="en-US" dirty="0" err="1" smtClean="0"/>
+              <a:t>postingNotes</a:t>
+            </a:r>
+            <a:r>
+              <a:rPr lang="en-US" dirty="0" smtClean="0"/>
+              <a:t> file will be show in the notify email.</a:t>
+            </a:r>
+          </a:p>
+          <a:p>
+            <a:endParaRPr lang="en-US" dirty="0" smtClean="0"/>
+          </a:p>
+          <a:p>
             <a:endParaRPr lang="en-US" dirty="0"/>
           </a:p>
         </p:txBody>
       </p:sp>
+      <p:pic>
+        <p:nvPicPr>
+          <p:cNvPr id="1026" name="Picture 2"/>
+          <p:cNvPicPr>
+            <a:picLocks noChangeAspect="1" noChangeArrowheads="1"/>
+          </p:cNvPicPr>
+          <p:nvPr/>
+        </p:nvPicPr>
+        <p:blipFill>
+          <a:blip r:embed="rId2" cstate="print"/>
+          <a:srcRect/>
+          <a:stretch>
+            <a:fillRect/>
+          </a:stretch>
+        </p:blipFill>
+        <p:spPr bwMode="auto">
+          <a:xfrm>
+            <a:off x="539552" y="1268760"/>
+            <a:ext cx="8064896" cy="4968552"/>
+          </a:xfrm>
+          <a:prstGeom prst="rect">
+            <a:avLst/>
+          </a:prstGeom>
+          <a:noFill/>
+          <a:ln w="9525">
+            <a:noFill/>
+            <a:miter lim="800000"/>
+            <a:headEnd/>
+            <a:tailEnd/>
+          </a:ln>
+        </p:spPr>
+      </p:pic>
     </p:spTree>
   </p:cSld>
   <p:clrMapOvr>
@@ -9590,7 +9951,271 @@
   <p:timing>
     <p:tnLst>
       <p:par>
-        <p:cTn id="1" dur="indefinite" restart="never" nodeType="tmRoot"/>
+        <p:cTn id="1" dur="indefinite" restart="never" nodeType="tmRoot">
+          <p:childTnLst>
+            <p:seq concurrent="1" nextAc="seek">
+              <p:cTn id="2" dur="indefinite" nodeType="mainSeq">
+                <p:childTnLst>
+                  <p:par>
+                    <p:cTn id="3" fill="hold">
+                      <p:stCondLst>
+                        <p:cond delay="indefinite"/>
+                      </p:stCondLst>
+                      <p:childTnLst>
+                        <p:par>
+                          <p:cTn id="4" fill="hold">
+                            <p:stCondLst>
+                              <p:cond delay="0"/>
+                            </p:stCondLst>
+                            <p:childTnLst>
+                              <p:par>
+                                <p:cTn id="5" presetID="2" presetClass="entr" presetSubtype="4" fill="hold" nodeType="clickEffect">
+                                  <p:stCondLst>
+                                    <p:cond delay="0"/>
+                                  </p:stCondLst>
+                                  <p:childTnLst>
+                                    <p:set>
+                                      <p:cBhvr>
+                                        <p:cTn id="6" dur="1" fill="hold">
+                                          <p:stCondLst>
+                                            <p:cond delay="0"/>
+                                          </p:stCondLst>
+                                        </p:cTn>
+                                        <p:tgtEl>
+                                          <p:spTgt spid="3">
+                                            <p:txEl>
+                                              <p:pRg st="0" end="0"/>
+                                            </p:txEl>
+                                          </p:spTgt>
+                                        </p:tgtEl>
+                                        <p:attrNameLst>
+                                          <p:attrName>style.visibility</p:attrName>
+                                        </p:attrNameLst>
+                                      </p:cBhvr>
+                                      <p:to>
+                                        <p:strVal val="visible"/>
+                                      </p:to>
+                                    </p:set>
+                                    <p:anim calcmode="lin" valueType="num">
+                                      <p:cBhvr additive="base">
+                                        <p:cTn id="7" dur="500" fill="hold"/>
+                                        <p:tgtEl>
+                                          <p:spTgt spid="3">
+                                            <p:txEl>
+                                              <p:pRg st="0" end="0"/>
+                                            </p:txEl>
+                                          </p:spTgt>
+                                        </p:tgtEl>
+                                        <p:attrNameLst>
+                                          <p:attrName>ppt_x</p:attrName>
+                                        </p:attrNameLst>
+                                      </p:cBhvr>
+                                      <p:tavLst>
+                                        <p:tav tm="0">
+                                          <p:val>
+                                            <p:strVal val="#ppt_x"/>
+                                          </p:val>
+                                        </p:tav>
+                                        <p:tav tm="100000">
+                                          <p:val>
+                                            <p:strVal val="#ppt_x"/>
+                                          </p:val>
+                                        </p:tav>
+                                      </p:tavLst>
+                                    </p:anim>
+                                    <p:anim calcmode="lin" valueType="num">
+                                      <p:cBhvr additive="base">
+                                        <p:cTn id="8" dur="500" fill="hold"/>
+                                        <p:tgtEl>
+                                          <p:spTgt spid="3">
+                                            <p:txEl>
+                                              <p:pRg st="0" end="0"/>
+                                            </p:txEl>
+                                          </p:spTgt>
+                                        </p:tgtEl>
+                                        <p:attrNameLst>
+                                          <p:attrName>ppt_y</p:attrName>
+                                        </p:attrNameLst>
+                                      </p:cBhvr>
+                                      <p:tavLst>
+                                        <p:tav tm="0">
+                                          <p:val>
+                                            <p:strVal val="1+#ppt_h/2"/>
+                                          </p:val>
+                                        </p:tav>
+                                        <p:tav tm="100000">
+                                          <p:val>
+                                            <p:strVal val="#ppt_y"/>
+                                          </p:val>
+                                        </p:tav>
+                                      </p:tavLst>
+                                    </p:anim>
+                                  </p:childTnLst>
+                                </p:cTn>
+                              </p:par>
+                              <p:par>
+                                <p:cTn id="9" presetID="2" presetClass="entr" presetSubtype="4" fill="hold" nodeType="withEffect">
+                                  <p:stCondLst>
+                                    <p:cond delay="0"/>
+                                  </p:stCondLst>
+                                  <p:childTnLst>
+                                    <p:set>
+                                      <p:cBhvr>
+                                        <p:cTn id="10" dur="1" fill="hold">
+                                          <p:stCondLst>
+                                            <p:cond delay="0"/>
+                                          </p:stCondLst>
+                                        </p:cTn>
+                                        <p:tgtEl>
+                                          <p:spTgt spid="3">
+                                            <p:txEl>
+                                              <p:pRg st="1" end="1"/>
+                                            </p:txEl>
+                                          </p:spTgt>
+                                        </p:tgtEl>
+                                        <p:attrNameLst>
+                                          <p:attrName>style.visibility</p:attrName>
+                                        </p:attrNameLst>
+                                      </p:cBhvr>
+                                      <p:to>
+                                        <p:strVal val="visible"/>
+                                      </p:to>
+                                    </p:set>
+                                    <p:anim calcmode="lin" valueType="num">
+                                      <p:cBhvr additive="base">
+                                        <p:cTn id="11" dur="500" fill="hold"/>
+                                        <p:tgtEl>
+                                          <p:spTgt spid="3">
+                                            <p:txEl>
+                                              <p:pRg st="1" end="1"/>
+                                            </p:txEl>
+                                          </p:spTgt>
+                                        </p:tgtEl>
+                                        <p:attrNameLst>
+                                          <p:attrName>ppt_x</p:attrName>
+                                        </p:attrNameLst>
+                                      </p:cBhvr>
+                                      <p:tavLst>
+                                        <p:tav tm="0">
+                                          <p:val>
+                                            <p:strVal val="#ppt_x"/>
+                                          </p:val>
+                                        </p:tav>
+                                        <p:tav tm="100000">
+                                          <p:val>
+                                            <p:strVal val="#ppt_x"/>
+                                          </p:val>
+                                        </p:tav>
+                                      </p:tavLst>
+                                    </p:anim>
+                                    <p:anim calcmode="lin" valueType="num">
+                                      <p:cBhvr additive="base">
+                                        <p:cTn id="12" dur="500" fill="hold"/>
+                                        <p:tgtEl>
+                                          <p:spTgt spid="3">
+                                            <p:txEl>
+                                              <p:pRg st="1" end="1"/>
+                                            </p:txEl>
+                                          </p:spTgt>
+                                        </p:tgtEl>
+                                        <p:attrNameLst>
+                                          <p:attrName>ppt_y</p:attrName>
+                                        </p:attrNameLst>
+                                      </p:cBhvr>
+                                      <p:tavLst>
+                                        <p:tav tm="0">
+                                          <p:val>
+                                            <p:strVal val="1+#ppt_h/2"/>
+                                          </p:val>
+                                        </p:tav>
+                                        <p:tav tm="100000">
+                                          <p:val>
+                                            <p:strVal val="#ppt_y"/>
+                                          </p:val>
+                                        </p:tav>
+                                      </p:tavLst>
+                                    </p:anim>
+                                  </p:childTnLst>
+                                </p:cTn>
+                              </p:par>
+                            </p:childTnLst>
+                          </p:cTn>
+                        </p:par>
+                      </p:childTnLst>
+                    </p:cTn>
+                  </p:par>
+                  <p:par>
+                    <p:cTn id="13" fill="hold">
+                      <p:stCondLst>
+                        <p:cond delay="indefinite"/>
+                      </p:stCondLst>
+                      <p:childTnLst>
+                        <p:par>
+                          <p:cTn id="14" fill="hold">
+                            <p:stCondLst>
+                              <p:cond delay="0"/>
+                            </p:stCondLst>
+                            <p:childTnLst>
+                              <p:par>
+                                <p:cTn id="15" presetID="12" presetClass="entr" presetSubtype="4" fill="hold" nodeType="clickEffect">
+                                  <p:stCondLst>
+                                    <p:cond delay="0"/>
+                                  </p:stCondLst>
+                                  <p:childTnLst>
+                                    <p:set>
+                                      <p:cBhvr>
+                                        <p:cTn id="16" dur="1" fill="hold">
+                                          <p:stCondLst>
+                                            <p:cond delay="0"/>
+                                          </p:stCondLst>
+                                        </p:cTn>
+                                        <p:tgtEl>
+                                          <p:spTgt spid="1026"/>
+                                        </p:tgtEl>
+                                        <p:attrNameLst>
+                                          <p:attrName>style.visibility</p:attrName>
+                                        </p:attrNameLst>
+                                      </p:cBhvr>
+                                      <p:to>
+                                        <p:strVal val="visible"/>
+                                      </p:to>
+                                    </p:set>
+                                    <p:animEffect transition="in" filter="slide(fromBottom)">
+                                      <p:cBhvr>
+                                        <p:cTn id="17" dur="500"/>
+                                        <p:tgtEl>
+                                          <p:spTgt spid="1026"/>
+                                        </p:tgtEl>
+                                      </p:cBhvr>
+                                    </p:animEffect>
+                                  </p:childTnLst>
+                                </p:cTn>
+                              </p:par>
+                            </p:childTnLst>
+                          </p:cTn>
+                        </p:par>
+                      </p:childTnLst>
+                    </p:cTn>
+                  </p:par>
+                </p:childTnLst>
+              </p:cTn>
+              <p:prevCondLst>
+                <p:cond evt="onPrev" delay="0">
+                  <p:tgtEl>
+                    <p:sldTgt/>
+                  </p:tgtEl>
+                </p:cond>
+              </p:prevCondLst>
+              <p:nextCondLst>
+                <p:cond evt="onNext" delay="0">
+                  <p:tgtEl>
+                    <p:sldTgt/>
+                  </p:tgtEl>
+                </p:cond>
+              </p:nextCondLst>
+            </p:seq>
+          </p:childTnLst>
+        </p:cTn>
       </p:par>
     </p:tnLst>
   </p:timing>
@@ -9631,7 +10256,7 @@
           <a:p>
             <a:r>
               <a:rPr lang="en-US" dirty="0" smtClean="0"/>
-              <a:t>Q&amp;A</a:t>
+              <a:t>Other</a:t>
             </a:r>
             <a:endParaRPr lang="en-US" dirty="0"/>
           </a:p>
@@ -9649,10 +10274,44 @@
         </p:nvSpPr>
         <p:spPr/>
         <p:txBody>
-          <a:bodyPr/>
+          <a:bodyPr>
+            <a:normAutofit fontScale="92500" lnSpcReduction="10000"/>
+          </a:bodyPr>
           <a:lstStyle/>
           <a:p>
-            <a:endParaRPr lang="en-US"/>
+            <a:r>
+              <a:rPr lang="en-US" dirty="0" smtClean="0"/>
+              <a:t>Only for masters post, Not for ISO, EF (big Zip files)</a:t>
+            </a:r>
+          </a:p>
+          <a:p>
+            <a:endParaRPr lang="en-US" dirty="0" smtClean="0"/>
+          </a:p>
+          <a:p>
+            <a:r>
+              <a:rPr lang="en-US" dirty="0" smtClean="0"/>
+              <a:t>The maters will be post to Localization Server automatically in the future.</a:t>
+            </a:r>
+          </a:p>
+          <a:p>
+            <a:endParaRPr lang="en-US" dirty="0" smtClean="0"/>
+          </a:p>
+          <a:p>
+            <a:r>
+              <a:rPr lang="en-US" dirty="0" smtClean="0"/>
+              <a:t>For the places where have not NetApps, Claudio can help to set up ‘virtual </a:t>
+            </a:r>
+            <a:r>
+              <a:rPr lang="en-US" dirty="0" err="1" smtClean="0"/>
+              <a:t>NetApps</a:t>
+            </a:r>
+            <a:r>
+              <a:rPr lang="en-US" dirty="0" smtClean="0"/>
+              <a:t>’ to sync the masters to these places automatically.</a:t>
+            </a:r>
+          </a:p>
+          <a:p>
+            <a:endParaRPr lang="en-US" dirty="0"/>
           </a:p>
         </p:txBody>
       </p:sp>
@@ -9704,8 +10363,8 @@
           <a:lstStyle/>
           <a:p>
             <a:r>
-              <a:rPr lang="en-US" altLang="zh-CN" dirty="0" smtClean="0"/>
-              <a:t>How the store box implement</a:t>
+              <a:rPr lang="en-US" dirty="0" smtClean="0"/>
+              <a:t>Reference</a:t>
             </a:r>
             <a:endParaRPr lang="en-US" dirty="0"/>
           </a:p>
@@ -9727,41 +10386,83 @@
           <a:lstStyle/>
           <a:p>
             <a:r>
-              <a:rPr lang="en-US" dirty="0" smtClean="0"/>
-              <a:t>MD5</a:t>
-            </a:r>
-          </a:p>
-          <a:p>
-            <a:r>
-              <a:rPr lang="en-US" dirty="0" smtClean="0"/>
-              <a:t>RSync</a:t>
-            </a:r>
-          </a:p>
-          <a:p>
-            <a:r>
-              <a:rPr lang="en-US" dirty="0" smtClean="0"/>
-              <a:t>Linux Hand link</a:t>
-            </a:r>
-          </a:p>
-          <a:p>
-            <a:r>
-              <a:rPr lang="en-US" dirty="0" smtClean="0"/>
-              <a:t>Same files just store one copy</a:t>
-            </a:r>
-          </a:p>
-          <a:p>
-            <a:r>
-              <a:rPr lang="en-US" dirty="0" smtClean="0"/>
-              <a:t>Just RSync the files which are not existed in </a:t>
-            </a:r>
-            <a:r>
-              <a:rPr lang="en-US" dirty="0" err="1" smtClean="0"/>
+              <a:rPr lang="en-US" dirty="0" smtClean="0">
+                <a:hlinkClick r:id="rId2" action="ppaction://hlinkfile"/>
+              </a:rPr>
+              <a:t>Build and Release Engineering</a:t>
+            </a:r>
+            <a:r>
+              <a:rPr lang="en-US" dirty="0" smtClean="0"/>
+              <a:t> &gt; </a:t>
+            </a:r>
+            <a:r>
+              <a:rPr lang="en-US" dirty="0" smtClean="0">
+                <a:hlinkClick r:id="rId3" action="ppaction://hlinkfile"/>
+              </a:rPr>
+              <a:t>BRE Technology Architecture</a:t>
+            </a:r>
+            <a:r>
+              <a:rPr lang="en-US" dirty="0" smtClean="0"/>
+              <a:t> &gt; </a:t>
+            </a:r>
+            <a:r>
+              <a:rPr lang="en-US" dirty="0" smtClean="0">
+                <a:hlinkClick r:id="rId4" action="ppaction://hlinkfile"/>
+              </a:rPr>
+              <a:t>Documents</a:t>
+            </a:r>
+            <a:r>
+              <a:rPr lang="en-US" dirty="0" smtClean="0"/>
+              <a:t> &gt; </a:t>
+            </a:r>
+            <a:r>
+              <a:rPr lang="en-US" dirty="0" err="1" smtClean="0">
+                <a:hlinkClick r:id="rId5"/>
+              </a:rPr>
               <a:t>Rsync</a:t>
             </a:r>
             <a:r>
               <a:rPr lang="en-US" dirty="0" smtClean="0"/>
-              <a:t> Server</a:t>
-            </a:r>
+              <a:t>  </a:t>
+            </a:r>
+          </a:p>
+          <a:p>
+            <a:endParaRPr lang="en-US" dirty="0"/>
+          </a:p>
+          <a:p>
+            <a:r>
+              <a:rPr lang="en-US" dirty="0">
+                <a:hlinkClick r:id="rId6"/>
+              </a:rPr>
+              <a:t>BRE </a:t>
+            </a:r>
+            <a:r>
+              <a:rPr lang="en-US" dirty="0" err="1">
+                <a:hlinkClick r:id="rId6"/>
+              </a:rPr>
+              <a:t>StoreBox</a:t>
+            </a:r>
+            <a:r>
+              <a:rPr lang="en-US" dirty="0">
+                <a:hlinkClick r:id="rId6"/>
+              </a:rPr>
+              <a:t> Support</a:t>
+            </a:r>
+            <a:r>
+              <a:rPr lang="en-US" dirty="0"/>
+              <a:t> </a:t>
+            </a:r>
+            <a:r>
+              <a:rPr lang="en-US" dirty="0" smtClean="0"/>
+              <a:t> (Claudio)</a:t>
+            </a:r>
+            <a:r>
+              <a:rPr lang="en-US" dirty="0"/>
+              <a:t/>
+            </a:r>
+            <a:br>
+              <a:rPr lang="en-US" dirty="0"/>
+            </a:br>
             <a:endParaRPr lang="en-US" dirty="0"/>
           </a:p>
         </p:txBody>
@@ -9771,6 +10472,13 @@
   <p:clrMapOvr>
     <a:masterClrMapping/>
   </p:clrMapOvr>
+  <p:timing>
+    <p:tnLst>
+      <p:par>
+        <p:cTn id="1" dur="indefinite" restart="never" nodeType="tmRoot"/>
+      </p:par>
+    </p:tnLst>
+  </p:timing>
 </p:sld>
 </file>
 
@@ -9808,7 +10516,7 @@
           <a:p>
             <a:r>
               <a:rPr lang="en-US" dirty="0" smtClean="0"/>
-              <a:t>MD5 identify one file</a:t>
+              <a:t>Q&amp;A</a:t>
             </a:r>
             <a:endParaRPr lang="en-US" dirty="0"/>
           </a:p>
@@ -9824,127 +10532,12 @@
             <p:ph idx="1"/>
           </p:nvPr>
         </p:nvSpPr>
-        <p:spPr>
-          <a:xfrm>
-            <a:off x="395536" y="1124744"/>
-            <a:ext cx="8229600" cy="3960439"/>
-          </a:xfrm>
-        </p:spPr>
+        <p:spPr/>
         <p:txBody>
           <a:bodyPr/>
           <a:lstStyle/>
           <a:p>
-            <a:r>
-              <a:rPr lang="en-US" dirty="0" smtClean="0"/>
-              <a:t>Use MD5 to identify one file, different file will have different MD5.</a:t>
-            </a:r>
-          </a:p>
-          <a:p>
-            <a:r>
-              <a:rPr lang="en-US" dirty="0" smtClean="0"/>
-              <a:t>The file MD5 doesn’t matter with the file name, just is relative with the file content.</a:t>
-            </a:r>
-            <a:endParaRPr lang="en-US" dirty="0"/>
-          </a:p>
-        </p:txBody>
-      </p:sp>
-      <p:sp>
-        <p:nvSpPr>
-          <p:cNvPr id="4" name="Rectangle 3"/>
-          <p:cNvSpPr/>
-          <p:nvPr/>
-        </p:nvSpPr>
-        <p:spPr>
-          <a:xfrm>
-            <a:off x="827584" y="5445224"/>
-            <a:ext cx="7632848" cy="720080"/>
-          </a:xfrm>
-          <a:prstGeom prst="rect">
-            <a:avLst/>
-          </a:prstGeom>
-        </p:spPr>
-        <p:style>
-          <a:lnRef idx="2">
-            <a:schemeClr val="accent1">
-              <a:shade val="50000"/>
-            </a:schemeClr>
-          </a:lnRef>
-          <a:fillRef idx="1">
-            <a:schemeClr val="accent1"/>
-          </a:fillRef>
-          <a:effectRef idx="0">
-            <a:schemeClr val="accent1"/>
-          </a:effectRef>
-          <a:fontRef idx="minor">
-            <a:schemeClr val="lt1"/>
-          </a:fontRef>
-        </p:style>
-        <p:txBody>
-          <a:bodyPr rtlCol="0" anchor="ctr"/>
-          <a:lstStyle/>
-          <a:p>
-            <a:pPr algn="ctr"/>
-            <a:r>
-              <a:rPr lang="en-US" dirty="0" err="1" smtClean="0"/>
-              <a:t>fsum</a:t>
-            </a:r>
-            <a:r>
-              <a:rPr lang="en-US" dirty="0" smtClean="0"/>
-              <a:t> -</a:t>
-            </a:r>
-            <a:r>
-              <a:rPr lang="en-US" dirty="0" err="1" smtClean="0"/>
-              <a:t>jnc</a:t>
-            </a:r>
-            <a:r>
-              <a:rPr lang="en-US" dirty="0" smtClean="0"/>
-              <a:t> -md5 CRK-Tools.zip &gt; CRK-Tools.zip.md5</a:t>
-            </a:r>
-            <a:endParaRPr lang="en-US" dirty="0"/>
-          </a:p>
-        </p:txBody>
-      </p:sp>
-      <p:sp>
-        <p:nvSpPr>
-          <p:cNvPr id="5" name="Oval 4"/>
-          <p:cNvSpPr/>
-          <p:nvPr/>
-        </p:nvSpPr>
-        <p:spPr>
-          <a:xfrm>
-            <a:off x="6588224" y="3933056"/>
-            <a:ext cx="1512168" cy="720080"/>
-          </a:xfrm>
-          <a:prstGeom prst="ellipse">
-            <a:avLst/>
-          </a:prstGeom>
-        </p:spPr>
-        <p:style>
-          <a:lnRef idx="2">
-            <a:schemeClr val="accent1">
-              <a:shade val="50000"/>
-            </a:schemeClr>
-          </a:lnRef>
-          <a:fillRef idx="1">
-            <a:schemeClr val="accent1"/>
-          </a:fillRef>
-          <a:effectRef idx="0">
-            <a:schemeClr val="accent1"/>
-          </a:effectRef>
-          <a:fontRef idx="minor">
-            <a:schemeClr val="lt1"/>
-          </a:fontRef>
-        </p:style>
-        <p:txBody>
-          <a:bodyPr rtlCol="0" anchor="ctr"/>
-          <a:lstStyle/>
-          <a:p>
-            <a:pPr algn="ctr"/>
-            <a:r>
-              <a:rPr lang="en-US" dirty="0" smtClean="0"/>
-              <a:t>Fsum.exe</a:t>
-            </a:r>
-            <a:endParaRPr lang="en-US" dirty="0"/>
+            <a:endParaRPr lang="en-US"/>
           </a:p>
         </p:txBody>
       </p:sp>
@@ -9953,6 +10546,13 @@
   <p:clrMapOvr>
     <a:masterClrMapping/>
   </p:clrMapOvr>
+  <p:timing>
+    <p:tnLst>
+      <p:par>
+        <p:cTn id="1" dur="indefinite" restart="never" nodeType="tmRoot"/>
+      </p:par>
+    </p:tnLst>
+  </p:timing>
 </p:sld>
 </file>
 
@@ -9989,8 +10589,8 @@
           <a:lstStyle/>
           <a:p>
             <a:r>
-              <a:rPr lang="en-US" dirty="0" smtClean="0"/>
-              <a:t>RSync</a:t>
+              <a:rPr lang="en-US" altLang="zh-CN" dirty="0" smtClean="0"/>
+              <a:t>How the store box implement</a:t>
             </a:r>
             <a:endParaRPr lang="en-US" dirty="0"/>
           </a:p>
@@ -10011,6 +10611,42 @@
           <a:bodyPr/>
           <a:lstStyle/>
           <a:p>
+            <a:r>
+              <a:rPr lang="en-US" dirty="0" smtClean="0"/>
+              <a:t>MD5</a:t>
+            </a:r>
+          </a:p>
+          <a:p>
+            <a:r>
+              <a:rPr lang="en-US" dirty="0" smtClean="0"/>
+              <a:t>RSync</a:t>
+            </a:r>
+          </a:p>
+          <a:p>
+            <a:r>
+              <a:rPr lang="en-US" dirty="0" smtClean="0"/>
+              <a:t>Linux Hand link</a:t>
+            </a:r>
+          </a:p>
+          <a:p>
+            <a:r>
+              <a:rPr lang="en-US" dirty="0" smtClean="0"/>
+              <a:t>Same files just store one copy</a:t>
+            </a:r>
+          </a:p>
+          <a:p>
+            <a:r>
+              <a:rPr lang="en-US" dirty="0" smtClean="0"/>
+              <a:t>Just RSync the files which are not existed in </a:t>
+            </a:r>
+            <a:r>
+              <a:rPr lang="en-US" dirty="0" err="1" smtClean="0"/>
+              <a:t>Rsync</a:t>
+            </a:r>
+            <a:r>
+              <a:rPr lang="en-US" dirty="0" smtClean="0"/>
+              <a:t> Server</a:t>
+            </a:r>
             <a:endParaRPr lang="en-US" dirty="0"/>
           </a:p>
         </p:txBody>
@@ -10057,7 +10693,7 @@
           <a:p>
             <a:r>
               <a:rPr lang="en-US" dirty="0" smtClean="0"/>
-              <a:t>Linux Hand Link</a:t>
+              <a:t>MD5 identify one file</a:t>
             </a:r>
             <a:endParaRPr lang="en-US" dirty="0"/>
           </a:p>
@@ -10065,14 +10701,48 @@
       </p:sp>
       <p:sp>
         <p:nvSpPr>
-          <p:cNvPr id="5" name="Rectangle 4"/>
+          <p:cNvPr id="3" name="Content Placeholder 2"/>
+          <p:cNvSpPr>
+            <a:spLocks noGrp="1"/>
+          </p:cNvSpPr>
+          <p:nvPr>
+            <p:ph idx="1"/>
+          </p:nvPr>
+        </p:nvSpPr>
+        <p:spPr>
+          <a:xfrm>
+            <a:off x="395536" y="1124744"/>
+            <a:ext cx="8229600" cy="3960439"/>
+          </a:xfrm>
+        </p:spPr>
+        <p:txBody>
+          <a:bodyPr/>
+          <a:lstStyle/>
+          <a:p>
+            <a:r>
+              <a:rPr lang="en-US" dirty="0" smtClean="0"/>
+              <a:t>Use MD5 to identify one file, different file will have different MD5.</a:t>
+            </a:r>
+          </a:p>
+          <a:p>
+            <a:r>
+              <a:rPr lang="en-US" dirty="0" smtClean="0"/>
+              <a:t>The file MD5 doesn’t matter with the file name, just is relative with the file content.</a:t>
+            </a:r>
+            <a:endParaRPr lang="en-US" dirty="0"/>
+          </a:p>
+        </p:txBody>
+      </p:sp>
+      <p:sp>
+        <p:nvSpPr>
+          <p:cNvPr id="4" name="Rectangle 3"/>
           <p:cNvSpPr/>
           <p:nvPr/>
         </p:nvSpPr>
         <p:spPr>
           <a:xfrm>
-            <a:off x="611560" y="1340768"/>
-            <a:ext cx="3888432" cy="2016224"/>
+            <a:off x="827584" y="5445224"/>
+            <a:ext cx="7632848" cy="720080"/>
           </a:xfrm>
           <a:prstGeom prst="rect">
             <a:avLst/>
@@ -10098,53 +10768,22 @@
           <a:bodyPr rtlCol="0" anchor="ctr"/>
           <a:lstStyle/>
           <a:p>
-            <a:pPr>
-              <a:buFont typeface="Arial" pitchFamily="34" charset="0"/>
-              <a:buChar char="•"/>
-            </a:pPr>
-            <a:r>
-              <a:rPr lang="en-US" dirty="0" smtClean="0"/>
-              <a:t>Hard links</a:t>
-            </a:r>
-          </a:p>
-          <a:p>
-            <a:pPr>
-              <a:buFont typeface="Arial" pitchFamily="34" charset="0"/>
-              <a:buChar char="•"/>
-            </a:pPr>
-            <a:r>
-              <a:rPr lang="en-US" dirty="0" smtClean="0"/>
-              <a:t>Cannot links directories </a:t>
-            </a:r>
-          </a:p>
-          <a:p>
-            <a:pPr>
-              <a:buFont typeface="Arial" pitchFamily="34" charset="0"/>
-              <a:buChar char="•"/>
-            </a:pPr>
-            <a:r>
-              <a:rPr lang="en-US" dirty="0" smtClean="0"/>
-              <a:t>Cannot cross file system boundaries</a:t>
-            </a:r>
-          </a:p>
-          <a:p>
-            <a:pPr>
-              <a:buFont typeface="Arial" pitchFamily="34" charset="0"/>
-              <a:buChar char="•"/>
-            </a:pPr>
-            <a:r>
-              <a:rPr lang="en-US" dirty="0" smtClean="0"/>
-              <a:t>Still can access the content even if the source file is removed</a:t>
-            </a:r>
-          </a:p>
-          <a:p>
-            <a:pPr>
-              <a:buFont typeface="Arial" pitchFamily="34" charset="0"/>
-              <a:buChar char="•"/>
-            </a:pPr>
-            <a:r>
-              <a:rPr lang="en-US" dirty="0" smtClean="0"/>
-              <a:t>Only all last hard links and source file are removed, the file is removed</a:t>
+            <a:pPr algn="ctr"/>
+            <a:r>
+              <a:rPr lang="en-US" dirty="0" err="1" smtClean="0"/>
+              <a:t>fsum</a:t>
+            </a:r>
+            <a:r>
+              <a:rPr lang="en-US" dirty="0" smtClean="0"/>
+              <a:t> -</a:t>
+            </a:r>
+            <a:r>
+              <a:rPr lang="en-US" dirty="0" err="1" smtClean="0"/>
+              <a:t>jnc</a:t>
+            </a:r>
+            <a:r>
+              <a:rPr lang="en-US" dirty="0" smtClean="0"/>
+              <a:t> -md5 CRK-Tools.zip &gt; CRK-Tools.zip.md5</a:t>
             </a:r>
             <a:endParaRPr lang="en-US" dirty="0"/>
           </a:p>
@@ -10152,16 +10791,16 @@
       </p:sp>
       <p:sp>
         <p:nvSpPr>
-          <p:cNvPr id="6" name="Rectangle 5"/>
+          <p:cNvPr id="5" name="Oval 4"/>
           <p:cNvSpPr/>
           <p:nvPr/>
         </p:nvSpPr>
         <p:spPr>
           <a:xfrm>
-            <a:off x="611560" y="3933056"/>
-            <a:ext cx="3888432" cy="2016224"/>
+            <a:off x="6588224" y="3933056"/>
+            <a:ext cx="1512168" cy="720080"/>
           </a:xfrm>
-          <a:prstGeom prst="rect">
+          <a:prstGeom prst="ellipse">
             <a:avLst/>
           </a:prstGeom>
         </p:spPr>
@@ -10185,54 +10824,12 @@
           <a:bodyPr rtlCol="0" anchor="ctr"/>
           <a:lstStyle/>
           <a:p>
-            <a:pPr>
-              <a:buFont typeface="Arial" pitchFamily="34" charset="0"/>
-              <a:buChar char="•"/>
-            </a:pPr>
-            <a:r>
-              <a:rPr lang="en-US" dirty="0" smtClean="0"/>
-              <a:t>Soft links</a:t>
-            </a:r>
-          </a:p>
-          <a:p>
-            <a:pPr>
-              <a:buFont typeface="Arial" pitchFamily="34" charset="0"/>
-              <a:buChar char="•"/>
-            </a:pPr>
-            <a:r>
-              <a:rPr lang="en-US" dirty="0" smtClean="0"/>
-              <a:t>Can links directories </a:t>
-            </a:r>
-          </a:p>
-          <a:p>
-            <a:pPr>
-              <a:buFont typeface="Arial" pitchFamily="34" charset="0"/>
-              <a:buChar char="•"/>
-            </a:pPr>
-            <a:r>
-              <a:rPr lang="en-US" dirty="0" smtClean="0"/>
-              <a:t>Can cross file system boundaries</a:t>
-            </a:r>
-          </a:p>
-          <a:p>
-            <a:pPr>
-              <a:buFont typeface="Arial" pitchFamily="34" charset="0"/>
-              <a:buChar char="•"/>
-            </a:pPr>
-            <a:r>
-              <a:rPr lang="en-US" dirty="0" smtClean="0"/>
-              <a:t>Cannot access the content when the source file is removed</a:t>
-            </a:r>
-          </a:p>
-          <a:p>
-            <a:pPr>
-              <a:buFont typeface="Arial" pitchFamily="34" charset="0"/>
-              <a:buChar char="•"/>
-            </a:pPr>
-            <a:r>
-              <a:rPr lang="en-US" dirty="0" smtClean="0"/>
-              <a:t>All soft links don’t work when the source file is removed</a:t>
-            </a:r>
+            <a:pPr algn="ctr"/>
+            <a:r>
+              <a:rPr lang="en-US" dirty="0" smtClean="0"/>
+              <a:t>Fsum.exe</a:t>
+            </a:r>
+            <a:endParaRPr lang="en-US" dirty="0"/>
           </a:p>
         </p:txBody>
       </p:sp>
@@ -10273,14 +10870,12 @@
         </p:nvSpPr>
         <p:spPr/>
         <p:txBody>
-          <a:bodyPr>
-            <a:normAutofit/>
-          </a:bodyPr>
+          <a:bodyPr/>
           <a:lstStyle/>
           <a:p>
             <a:r>
               <a:rPr lang="en-US" dirty="0" smtClean="0"/>
-              <a:t>Same files just store one copy</a:t>
+              <a:t>RSync</a:t>
             </a:r>
             <a:endParaRPr lang="en-US" dirty="0"/>
           </a:p>
@@ -10301,7 +10896,7 @@
           <a:bodyPr/>
           <a:lstStyle/>
           <a:p>
-            <a:endParaRPr lang="en-US"/>
+            <a:endParaRPr lang="en-US" dirty="0"/>
           </a:p>
         </p:txBody>
       </p:sp>
@@ -10342,46 +10937,187 @@
         </p:nvSpPr>
         <p:spPr/>
         <p:txBody>
-          <a:bodyPr>
-            <a:normAutofit fontScale="90000"/>
-          </a:bodyPr>
+          <a:bodyPr/>
           <a:lstStyle/>
           <a:p>
             <a:r>
               <a:rPr lang="en-US" dirty="0" smtClean="0"/>
-              <a:t>Just RSync the files which are not existed in </a:t>
-            </a:r>
-            <a:r>
-              <a:rPr lang="en-US" dirty="0" err="1" smtClean="0"/>
-              <a:t>Rsync</a:t>
-            </a:r>
-            <a:r>
-              <a:rPr lang="en-US" dirty="0" smtClean="0"/>
-              <a:t> Server</a:t>
-            </a:r>
-            <a:br>
-              <a:rPr lang="en-US" dirty="0" smtClean="0"/>
-            </a:br>
+              <a:t>Linux Hand Link</a:t>
+            </a:r>
             <a:endParaRPr lang="en-US" dirty="0"/>
           </a:p>
         </p:txBody>
       </p:sp>
       <p:sp>
         <p:nvSpPr>
-          <p:cNvPr id="3" name="Content Placeholder 2"/>
-          <p:cNvSpPr>
-            <a:spLocks noGrp="1"/>
-          </p:cNvSpPr>
-          <p:nvPr>
-            <p:ph idx="1"/>
-          </p:nvPr>
+          <p:cNvPr id="5" name="Rectangle 4"/>
+          <p:cNvSpPr/>
+          <p:nvPr/>
         </p:nvSpPr>
-        <p:spPr/>
+        <p:spPr>
+          <a:xfrm>
+            <a:off x="611560" y="1340768"/>
+            <a:ext cx="3888432" cy="2016224"/>
+          </a:xfrm>
+          <a:prstGeom prst="rect">
+            <a:avLst/>
+          </a:prstGeom>
+        </p:spPr>
+        <p:style>
+          <a:lnRef idx="2">
+            <a:schemeClr val="accent1">
+              <a:shade val="50000"/>
+            </a:schemeClr>
+          </a:lnRef>
+          <a:fillRef idx="1">
+            <a:schemeClr val="accent1"/>
+          </a:fillRef>
+          <a:effectRef idx="0">
+            <a:schemeClr val="accent1"/>
+          </a:effectRef>
+          <a:fontRef idx="minor">
+            <a:schemeClr val="lt1"/>
+          </a:fontRef>
+        </p:style>
         <p:txBody>
-          <a:bodyPr/>
+          <a:bodyPr rtlCol="0" anchor="ctr"/>
           <a:lstStyle/>
           <a:p>
+            <a:pPr>
+              <a:buFont typeface="Arial" pitchFamily="34" charset="0"/>
+              <a:buChar char="•"/>
+            </a:pPr>
+            <a:r>
+              <a:rPr lang="en-US" dirty="0" smtClean="0"/>
+              <a:t>Hard links</a:t>
+            </a:r>
+          </a:p>
+          <a:p>
+            <a:pPr>
+              <a:buFont typeface="Arial" pitchFamily="34" charset="0"/>
+              <a:buChar char="•"/>
+            </a:pPr>
+            <a:r>
+              <a:rPr lang="en-US" dirty="0" smtClean="0"/>
+              <a:t>Cannot links directories </a:t>
+            </a:r>
+          </a:p>
+          <a:p>
+            <a:pPr>
+              <a:buFont typeface="Arial" pitchFamily="34" charset="0"/>
+              <a:buChar char="•"/>
+            </a:pPr>
+            <a:r>
+              <a:rPr lang="en-US" dirty="0" smtClean="0"/>
+              <a:t>Cannot cross file system boundaries</a:t>
+            </a:r>
+          </a:p>
+          <a:p>
+            <a:pPr>
+              <a:buFont typeface="Arial" pitchFamily="34" charset="0"/>
+              <a:buChar char="•"/>
+            </a:pPr>
+            <a:r>
+              <a:rPr lang="en-US" dirty="0" smtClean="0"/>
+              <a:t>Still can access the content even if the source file is removed</a:t>
+            </a:r>
+          </a:p>
+          <a:p>
+            <a:pPr>
+              <a:buFont typeface="Arial" pitchFamily="34" charset="0"/>
+              <a:buChar char="•"/>
+            </a:pPr>
+            <a:r>
+              <a:rPr lang="en-US" dirty="0" smtClean="0"/>
+              <a:t>Only all last hard links and source file are removed, the file is removed</a:t>
+            </a:r>
             <a:endParaRPr lang="en-US" dirty="0"/>
+          </a:p>
+        </p:txBody>
+      </p:sp>
+      <p:sp>
+        <p:nvSpPr>
+          <p:cNvPr id="6" name="Rectangle 5"/>
+          <p:cNvSpPr/>
+          <p:nvPr/>
+        </p:nvSpPr>
+        <p:spPr>
+          <a:xfrm>
+            <a:off x="611560" y="3933056"/>
+            <a:ext cx="3888432" cy="2016224"/>
+          </a:xfrm>
+          <a:prstGeom prst="rect">
+            <a:avLst/>
+          </a:prstGeom>
+        </p:spPr>
+        <p:style>
+          <a:lnRef idx="2">
+            <a:schemeClr val="accent1">
+              <a:shade val="50000"/>
+            </a:schemeClr>
+          </a:lnRef>
+          <a:fillRef idx="1">
+            <a:schemeClr val="accent1"/>
+          </a:fillRef>
+          <a:effectRef idx="0">
+            <a:schemeClr val="accent1"/>
+          </a:effectRef>
+          <a:fontRef idx="minor">
+            <a:schemeClr val="lt1"/>
+          </a:fontRef>
+        </p:style>
+        <p:txBody>
+          <a:bodyPr rtlCol="0" anchor="ctr"/>
+          <a:lstStyle/>
+          <a:p>
+            <a:pPr>
+              <a:buFont typeface="Arial" pitchFamily="34" charset="0"/>
+              <a:buChar char="•"/>
+            </a:pPr>
+            <a:r>
+              <a:rPr lang="en-US" dirty="0" smtClean="0"/>
+              <a:t>Soft links</a:t>
+            </a:r>
+          </a:p>
+          <a:p>
+            <a:pPr>
+              <a:buFont typeface="Arial" pitchFamily="34" charset="0"/>
+              <a:buChar char="•"/>
+            </a:pPr>
+            <a:r>
+              <a:rPr lang="en-US" dirty="0" smtClean="0"/>
+              <a:t>Can links directories </a:t>
+            </a:r>
+          </a:p>
+          <a:p>
+            <a:pPr>
+              <a:buFont typeface="Arial" pitchFamily="34" charset="0"/>
+              <a:buChar char="•"/>
+            </a:pPr>
+            <a:r>
+              <a:rPr lang="en-US" dirty="0" smtClean="0"/>
+              <a:t>Can cross file system boundaries</a:t>
+            </a:r>
+          </a:p>
+          <a:p>
+            <a:pPr>
+              <a:buFont typeface="Arial" pitchFamily="34" charset="0"/>
+              <a:buChar char="•"/>
+            </a:pPr>
+            <a:r>
+              <a:rPr lang="en-US" dirty="0" smtClean="0"/>
+              <a:t>Cannot access the content when the source file is removed</a:t>
+            </a:r>
+          </a:p>
+          <a:p>
+            <a:pPr>
+              <a:buFont typeface="Arial" pitchFamily="34" charset="0"/>
+              <a:buChar char="•"/>
+            </a:pPr>
+            <a:r>
+              <a:rPr lang="en-US" dirty="0" smtClean="0"/>
+              <a:t>All soft links don’t work when the source file is removed</a:t>
+            </a:r>
           </a:p>
         </p:txBody>
       </p:sp>
@@ -11704,6 +12440,155 @@
 </file>
 
 <file path=ppt/slides/slide30.xml><?xml version="1.0" encoding="utf-8"?>
+<p:sld xmlns:a="http://schemas.openxmlformats.org/drawingml/2006/main" xmlns:r="http://schemas.openxmlformats.org/officeDocument/2006/relationships" xmlns:p="http://schemas.openxmlformats.org/presentationml/2006/main">
+  <p:cSld>
+    <p:spTree>
+      <p:nvGrpSpPr>
+        <p:cNvPr id="1" name=""/>
+        <p:cNvGrpSpPr/>
+        <p:nvPr/>
+      </p:nvGrpSpPr>
+      <p:grpSpPr>
+        <a:xfrm>
+          <a:off x="0" y="0"/>
+          <a:ext cx="0" cy="0"/>
+          <a:chOff x="0" y="0"/>
+          <a:chExt cx="0" cy="0"/>
+        </a:xfrm>
+      </p:grpSpPr>
+      <p:sp>
+        <p:nvSpPr>
+          <p:cNvPr id="2" name="Title 1"/>
+          <p:cNvSpPr>
+            <a:spLocks noGrp="1"/>
+          </p:cNvSpPr>
+          <p:nvPr>
+            <p:ph type="title"/>
+          </p:nvPr>
+        </p:nvSpPr>
+        <p:spPr/>
+        <p:txBody>
+          <a:bodyPr>
+            <a:normAutofit/>
+          </a:bodyPr>
+          <a:lstStyle/>
+          <a:p>
+            <a:r>
+              <a:rPr lang="en-US" dirty="0" smtClean="0"/>
+              <a:t>Same files just store one copy</a:t>
+            </a:r>
+            <a:endParaRPr lang="en-US" dirty="0"/>
+          </a:p>
+        </p:txBody>
+      </p:sp>
+      <p:sp>
+        <p:nvSpPr>
+          <p:cNvPr id="3" name="Content Placeholder 2"/>
+          <p:cNvSpPr>
+            <a:spLocks noGrp="1"/>
+          </p:cNvSpPr>
+          <p:nvPr>
+            <p:ph idx="1"/>
+          </p:nvPr>
+        </p:nvSpPr>
+        <p:spPr/>
+        <p:txBody>
+          <a:bodyPr/>
+          <a:lstStyle/>
+          <a:p>
+            <a:endParaRPr lang="en-US"/>
+          </a:p>
+        </p:txBody>
+      </p:sp>
+    </p:spTree>
+  </p:cSld>
+  <p:clrMapOvr>
+    <a:masterClrMapping/>
+  </p:clrMapOvr>
+</p:sld>
+</file>
+
+<file path=ppt/slides/slide31.xml><?xml version="1.0" encoding="utf-8"?>
+<p:sld xmlns:a="http://schemas.openxmlformats.org/drawingml/2006/main" xmlns:r="http://schemas.openxmlformats.org/officeDocument/2006/relationships" xmlns:p="http://schemas.openxmlformats.org/presentationml/2006/main">
+  <p:cSld>
+    <p:spTree>
+      <p:nvGrpSpPr>
+        <p:cNvPr id="1" name=""/>
+        <p:cNvGrpSpPr/>
+        <p:nvPr/>
+      </p:nvGrpSpPr>
+      <p:grpSpPr>
+        <a:xfrm>
+          <a:off x="0" y="0"/>
+          <a:ext cx="0" cy="0"/>
+          <a:chOff x="0" y="0"/>
+          <a:chExt cx="0" cy="0"/>
+        </a:xfrm>
+      </p:grpSpPr>
+      <p:sp>
+        <p:nvSpPr>
+          <p:cNvPr id="2" name="Title 1"/>
+          <p:cNvSpPr>
+            <a:spLocks noGrp="1"/>
+          </p:cNvSpPr>
+          <p:nvPr>
+            <p:ph type="title"/>
+          </p:nvPr>
+        </p:nvSpPr>
+        <p:spPr/>
+        <p:txBody>
+          <a:bodyPr>
+            <a:normAutofit fontScale="90000"/>
+          </a:bodyPr>
+          <a:lstStyle/>
+          <a:p>
+            <a:r>
+              <a:rPr lang="en-US" dirty="0" smtClean="0"/>
+              <a:t>Just RSync the files which are not existed in </a:t>
+            </a:r>
+            <a:r>
+              <a:rPr lang="en-US" dirty="0" err="1" smtClean="0"/>
+              <a:t>Rsync</a:t>
+            </a:r>
+            <a:r>
+              <a:rPr lang="en-US" dirty="0" smtClean="0"/>
+              <a:t> Server</a:t>
+            </a:r>
+            <a:br>
+              <a:rPr lang="en-US" dirty="0" smtClean="0"/>
+            </a:br>
+            <a:endParaRPr lang="en-US" dirty="0"/>
+          </a:p>
+        </p:txBody>
+      </p:sp>
+      <p:sp>
+        <p:nvSpPr>
+          <p:cNvPr id="3" name="Content Placeholder 2"/>
+          <p:cNvSpPr>
+            <a:spLocks noGrp="1"/>
+          </p:cNvSpPr>
+          <p:nvPr>
+            <p:ph idx="1"/>
+          </p:nvPr>
+        </p:nvSpPr>
+        <p:spPr/>
+        <p:txBody>
+          <a:bodyPr/>
+          <a:lstStyle/>
+          <a:p>
+            <a:endParaRPr lang="en-US" dirty="0"/>
+          </a:p>
+        </p:txBody>
+      </p:sp>
+    </p:spTree>
+  </p:cSld>
+  <p:clrMapOvr>
+    <a:masterClrMapping/>
+  </p:clrMapOvr>
+</p:sld>
+</file>
+
+<file path=ppt/slides/slide32.xml><?xml version="1.0" encoding="utf-8"?>
 <p:sld xmlns:a="http://schemas.openxmlformats.org/drawingml/2006/main" xmlns:r="http://schemas.openxmlformats.org/officeDocument/2006/relationships" xmlns:p="http://schemas.openxmlformats.org/presentationml/2006/main">
   <p:cSld>
     <p:spTree>

--- a/Trunk/bredoc/StoreBox-central_storage_and_quick_posting.pptx
+++ b/Trunk/bredoc/StoreBox-central_storage_and_quick_posting.pptx
@@ -29,14 +29,14 @@
     <p:sldId id="292" r:id="rId23"/>
     <p:sldId id="280" r:id="rId24"/>
     <p:sldId id="281" r:id="rId25"/>
-    <p:sldId id="283" r:id="rId26"/>
-    <p:sldId id="285" r:id="rId27"/>
-    <p:sldId id="286" r:id="rId28"/>
-    <p:sldId id="288" r:id="rId29"/>
-    <p:sldId id="287" r:id="rId30"/>
-    <p:sldId id="289" r:id="rId31"/>
-    <p:sldId id="290" r:id="rId32"/>
-    <p:sldId id="291" r:id="rId33"/>
+    <p:sldId id="294" r:id="rId26"/>
+    <p:sldId id="283" r:id="rId27"/>
+    <p:sldId id="285" r:id="rId28"/>
+    <p:sldId id="286" r:id="rId29"/>
+    <p:sldId id="288" r:id="rId30"/>
+    <p:sldId id="287" r:id="rId31"/>
+    <p:sldId id="289" r:id="rId32"/>
+    <p:sldId id="290" r:id="rId33"/>
   </p:sldIdLst>
   <p:sldSz cx="9144000" cy="6858000" type="screen4x3"/>
   <p:notesSz cx="6858000" cy="9144000"/>
@@ -320,7 +320,7 @@
             <a:fld id="{265A8CBC-0F4F-4AAC-8EC2-BFC3190D591A}" type="datetimeFigureOut">
               <a:rPr lang="en-US" smtClean="0"/>
               <a:pPr/>
-              <a:t>11/5/2010</a:t>
+              <a:t>3/4/2011</a:t>
             </a:fld>
             <a:endParaRPr lang="en-US"/>
           </a:p>
@@ -487,7 +487,7 @@
             <a:fld id="{265A8CBC-0F4F-4AAC-8EC2-BFC3190D591A}" type="datetimeFigureOut">
               <a:rPr lang="en-US" smtClean="0"/>
               <a:pPr/>
-              <a:t>11/5/2010</a:t>
+              <a:t>3/4/2011</a:t>
             </a:fld>
             <a:endParaRPr lang="en-US"/>
           </a:p>
@@ -664,7 +664,7 @@
             <a:fld id="{265A8CBC-0F4F-4AAC-8EC2-BFC3190D591A}" type="datetimeFigureOut">
               <a:rPr lang="en-US" smtClean="0"/>
               <a:pPr/>
-              <a:t>11/5/2010</a:t>
+              <a:t>3/4/2011</a:t>
             </a:fld>
             <a:endParaRPr lang="en-US"/>
           </a:p>
@@ -831,7 +831,7 @@
             <a:fld id="{265A8CBC-0F4F-4AAC-8EC2-BFC3190D591A}" type="datetimeFigureOut">
               <a:rPr lang="en-US" smtClean="0"/>
               <a:pPr/>
-              <a:t>11/5/2010</a:t>
+              <a:t>3/4/2011</a:t>
             </a:fld>
             <a:endParaRPr lang="en-US"/>
           </a:p>
@@ -1074,7 +1074,7 @@
             <a:fld id="{265A8CBC-0F4F-4AAC-8EC2-BFC3190D591A}" type="datetimeFigureOut">
               <a:rPr lang="en-US" smtClean="0"/>
               <a:pPr/>
-              <a:t>11/5/2010</a:t>
+              <a:t>3/4/2011</a:t>
             </a:fld>
             <a:endParaRPr lang="en-US"/>
           </a:p>
@@ -1359,7 +1359,7 @@
             <a:fld id="{265A8CBC-0F4F-4AAC-8EC2-BFC3190D591A}" type="datetimeFigureOut">
               <a:rPr lang="en-US" smtClean="0"/>
               <a:pPr/>
-              <a:t>11/5/2010</a:t>
+              <a:t>3/4/2011</a:t>
             </a:fld>
             <a:endParaRPr lang="en-US"/>
           </a:p>
@@ -1778,7 +1778,7 @@
             <a:fld id="{265A8CBC-0F4F-4AAC-8EC2-BFC3190D591A}" type="datetimeFigureOut">
               <a:rPr lang="en-US" smtClean="0"/>
               <a:pPr/>
-              <a:t>11/5/2010</a:t>
+              <a:t>3/4/2011</a:t>
             </a:fld>
             <a:endParaRPr lang="en-US"/>
           </a:p>
@@ -1893,7 +1893,7 @@
             <a:fld id="{265A8CBC-0F4F-4AAC-8EC2-BFC3190D591A}" type="datetimeFigureOut">
               <a:rPr lang="en-US" smtClean="0"/>
               <a:pPr/>
-              <a:t>11/5/2010</a:t>
+              <a:t>3/4/2011</a:t>
             </a:fld>
             <a:endParaRPr lang="en-US"/>
           </a:p>
@@ -1985,7 +1985,7 @@
             <a:fld id="{265A8CBC-0F4F-4AAC-8EC2-BFC3190D591A}" type="datetimeFigureOut">
               <a:rPr lang="en-US" smtClean="0"/>
               <a:pPr/>
-              <a:t>11/5/2010</a:t>
+              <a:t>3/4/2011</a:t>
             </a:fld>
             <a:endParaRPr lang="en-US"/>
           </a:p>
@@ -2259,7 +2259,7 @@
             <a:fld id="{265A8CBC-0F4F-4AAC-8EC2-BFC3190D591A}" type="datetimeFigureOut">
               <a:rPr lang="en-US" smtClean="0"/>
               <a:pPr/>
-              <a:t>11/5/2010</a:t>
+              <a:t>3/4/2011</a:t>
             </a:fld>
             <a:endParaRPr lang="en-US"/>
           </a:p>
@@ -2509,7 +2509,7 @@
             <a:fld id="{265A8CBC-0F4F-4AAC-8EC2-BFC3190D591A}" type="datetimeFigureOut">
               <a:rPr lang="en-US" smtClean="0"/>
               <a:pPr/>
-              <a:t>11/5/2010</a:t>
+              <a:t>3/4/2011</a:t>
             </a:fld>
             <a:endParaRPr lang="en-US"/>
           </a:p>
@@ -2719,7 +2719,7 @@
             <a:fld id="{265A8CBC-0F4F-4AAC-8EC2-BFC3190D591A}" type="datetimeFigureOut">
               <a:rPr lang="en-US" smtClean="0"/>
               <a:pPr/>
-              <a:t>11/5/2010</a:t>
+              <a:t>3/4/2011</a:t>
             </a:fld>
             <a:endParaRPr lang="en-US"/>
           </a:p>
@@ -10516,7 +10516,7 @@
           <a:p>
             <a:r>
               <a:rPr lang="en-US" dirty="0" smtClean="0"/>
-              <a:t>Q&amp;A</a:t>
+              <a:t>The process of posting</a:t>
             </a:r>
             <a:endParaRPr lang="en-US" dirty="0"/>
           </a:p>
@@ -10534,10 +10534,90 @@
         </p:nvSpPr>
         <p:spPr/>
         <p:txBody>
-          <a:bodyPr/>
+          <a:bodyPr>
+            <a:normAutofit fontScale="62500" lnSpcReduction="20000"/>
+          </a:bodyPr>
           <a:lstStyle/>
           <a:p>
-            <a:endParaRPr lang="en-US"/>
+            <a:pPr lvl="0"/>
+            <a:r>
+              <a:rPr lang="en-US" dirty="0" smtClean="0"/>
+              <a:t>Build Engineer uses command to post to </a:t>
+            </a:r>
+            <a:r>
+              <a:rPr lang="en-US" dirty="0" err="1" smtClean="0"/>
+              <a:t>StoreBox</a:t>
+            </a:r>
+            <a:r>
+              <a:rPr lang="en-US" dirty="0" smtClean="0"/>
+              <a:t>.</a:t>
+            </a:r>
+          </a:p>
+          <a:p>
+            <a:pPr lvl="0"/>
+            <a:r>
+              <a:rPr lang="en-US" dirty="0" smtClean="0"/>
+              <a:t>Transfer to server is completed.</a:t>
+            </a:r>
+          </a:p>
+          <a:p>
+            <a:pPr lvl="0"/>
+            <a:r>
+              <a:rPr lang="en-US" dirty="0" smtClean="0"/>
+              <a:t>Server processes new files and create master folder.</a:t>
+            </a:r>
+          </a:p>
+          <a:p>
+            <a:pPr lvl="1"/>
+            <a:r>
+              <a:rPr lang="en-US" dirty="0" smtClean="0"/>
+              <a:t>In steps 1, 2 and 3 your master is not visible in the “dispatch in progress”.</a:t>
+            </a:r>
+          </a:p>
+          <a:p>
+            <a:pPr lvl="0"/>
+            <a:r>
+              <a:rPr lang="en-US" dirty="0" smtClean="0"/>
+              <a:t>When first master is available you get the notification email from the system.</a:t>
+            </a:r>
+          </a:p>
+          <a:p>
+            <a:pPr lvl="1"/>
+            <a:r>
+              <a:rPr lang="en-US" dirty="0" smtClean="0"/>
+              <a:t>Your master will now be listed in “dispatch in progress”.</a:t>
+            </a:r>
+          </a:p>
+          <a:p>
+            <a:pPr lvl="0"/>
+            <a:r>
+              <a:rPr lang="en-US" dirty="0" smtClean="0"/>
+              <a:t>The server that received the initial posting starts a dispatch process.</a:t>
+            </a:r>
+          </a:p>
+          <a:p>
+            <a:pPr lvl="1"/>
+            <a:r>
+              <a:rPr lang="en-US" dirty="0" smtClean="0"/>
+              <a:t>Dispatching is done following the shortest path resolution. Example posting in Petaluma will first post to Manchester and Manchester will post to Neuchatel.</a:t>
+            </a:r>
+          </a:p>
+          <a:p>
+            <a:pPr lvl="0"/>
+            <a:r>
+              <a:rPr lang="en-US" dirty="0" smtClean="0"/>
+              <a:t>Once all destinations have been reached your master will no longer be listed in the dispatch in progress view.</a:t>
+            </a:r>
+          </a:p>
+          <a:p>
+            <a:pPr lvl="1"/>
+            <a:r>
+              <a:rPr lang="en-US" dirty="0" smtClean="0"/>
+              <a:t>Master will be listed in the “Last 24 hours” and so on as times advances.</a:t>
+            </a:r>
+          </a:p>
+          <a:p>
+            <a:endParaRPr lang="en-US" dirty="0"/>
           </a:p>
         </p:txBody>
       </p:sp>
@@ -10546,13 +10626,6 @@
   <p:clrMapOvr>
     <a:masterClrMapping/>
   </p:clrMapOvr>
-  <p:timing>
-    <p:tnLst>
-      <p:par>
-        <p:cTn id="1" dur="indefinite" restart="never" nodeType="tmRoot"/>
-      </p:par>
-    </p:tnLst>
-  </p:timing>
 </p:sld>
 </file>
 
@@ -10589,8 +10662,8 @@
           <a:lstStyle/>
           <a:p>
             <a:r>
-              <a:rPr lang="en-US" altLang="zh-CN" dirty="0" smtClean="0"/>
-              <a:t>How the store box implement</a:t>
+              <a:rPr lang="en-US" dirty="0" smtClean="0"/>
+              <a:t>Q&amp;A</a:t>
             </a:r>
             <a:endParaRPr lang="en-US" dirty="0"/>
           </a:p>
@@ -10611,43 +10684,7 @@
           <a:bodyPr/>
           <a:lstStyle/>
           <a:p>
-            <a:r>
-              <a:rPr lang="en-US" dirty="0" smtClean="0"/>
-              <a:t>MD5</a:t>
-            </a:r>
-          </a:p>
-          <a:p>
-            <a:r>
-              <a:rPr lang="en-US" dirty="0" smtClean="0"/>
-              <a:t>RSync</a:t>
-            </a:r>
-          </a:p>
-          <a:p>
-            <a:r>
-              <a:rPr lang="en-US" dirty="0" smtClean="0"/>
-              <a:t>Linux Hand link</a:t>
-            </a:r>
-          </a:p>
-          <a:p>
-            <a:r>
-              <a:rPr lang="en-US" dirty="0" smtClean="0"/>
-              <a:t>Same files just store one copy</a:t>
-            </a:r>
-          </a:p>
-          <a:p>
-            <a:r>
-              <a:rPr lang="en-US" dirty="0" smtClean="0"/>
-              <a:t>Just RSync the files which are not existed in </a:t>
-            </a:r>
-            <a:r>
-              <a:rPr lang="en-US" dirty="0" err="1" smtClean="0"/>
-              <a:t>Rsync</a:t>
-            </a:r>
-            <a:r>
-              <a:rPr lang="en-US" dirty="0" smtClean="0"/>
-              <a:t> Server</a:t>
-            </a:r>
-            <a:endParaRPr lang="en-US" dirty="0"/>
+            <a:endParaRPr lang="en-US"/>
           </a:p>
         </p:txBody>
       </p:sp>
@@ -10656,6 +10693,13 @@
   <p:clrMapOvr>
     <a:masterClrMapping/>
   </p:clrMapOvr>
+  <p:timing>
+    <p:tnLst>
+      <p:par>
+        <p:cTn id="1" dur="indefinite" restart="never" nodeType="tmRoot"/>
+      </p:par>
+    </p:tnLst>
+  </p:timing>
 </p:sld>
 </file>
 
@@ -10692,8 +10736,8 @@
           <a:lstStyle/>
           <a:p>
             <a:r>
-              <a:rPr lang="en-US" dirty="0" smtClean="0"/>
-              <a:t>MD5 identify one file</a:t>
+              <a:rPr lang="en-US" altLang="zh-CN" dirty="0" smtClean="0"/>
+              <a:t>How the store box implement</a:t>
             </a:r>
             <a:endParaRPr lang="en-US" dirty="0"/>
           </a:p>
@@ -10709,125 +10753,46 @@
             <p:ph idx="1"/>
           </p:nvPr>
         </p:nvSpPr>
-        <p:spPr>
-          <a:xfrm>
-            <a:off x="395536" y="1124744"/>
-            <a:ext cx="8229600" cy="3960439"/>
-          </a:xfrm>
-        </p:spPr>
+        <p:spPr/>
         <p:txBody>
           <a:bodyPr/>
           <a:lstStyle/>
           <a:p>
             <a:r>
               <a:rPr lang="en-US" dirty="0" smtClean="0"/>
-              <a:t>Use MD5 to identify one file, different file will have different MD5.</a:t>
-            </a:r>
-          </a:p>
-          <a:p>
-            <a:r>
-              <a:rPr lang="en-US" dirty="0" smtClean="0"/>
-              <a:t>The file MD5 doesn’t matter with the file name, just is relative with the file content.</a:t>
-            </a:r>
-            <a:endParaRPr lang="en-US" dirty="0"/>
-          </a:p>
-        </p:txBody>
-      </p:sp>
-      <p:sp>
-        <p:nvSpPr>
-          <p:cNvPr id="4" name="Rectangle 3"/>
-          <p:cNvSpPr/>
-          <p:nvPr/>
-        </p:nvSpPr>
-        <p:spPr>
-          <a:xfrm>
-            <a:off x="827584" y="5445224"/>
-            <a:ext cx="7632848" cy="720080"/>
-          </a:xfrm>
-          <a:prstGeom prst="rect">
-            <a:avLst/>
-          </a:prstGeom>
-        </p:spPr>
-        <p:style>
-          <a:lnRef idx="2">
-            <a:schemeClr val="accent1">
-              <a:shade val="50000"/>
-            </a:schemeClr>
-          </a:lnRef>
-          <a:fillRef idx="1">
-            <a:schemeClr val="accent1"/>
-          </a:fillRef>
-          <a:effectRef idx="0">
-            <a:schemeClr val="accent1"/>
-          </a:effectRef>
-          <a:fontRef idx="minor">
-            <a:schemeClr val="lt1"/>
-          </a:fontRef>
-        </p:style>
-        <p:txBody>
-          <a:bodyPr rtlCol="0" anchor="ctr"/>
-          <a:lstStyle/>
-          <a:p>
-            <a:pPr algn="ctr"/>
+              <a:t>MD5</a:t>
+            </a:r>
+          </a:p>
+          <a:p>
+            <a:r>
+              <a:rPr lang="en-US" dirty="0" smtClean="0"/>
+              <a:t>RSync</a:t>
+            </a:r>
+          </a:p>
+          <a:p>
+            <a:r>
+              <a:rPr lang="en-US" dirty="0" smtClean="0"/>
+              <a:t>Linux Hand link</a:t>
+            </a:r>
+          </a:p>
+          <a:p>
+            <a:r>
+              <a:rPr lang="en-US" dirty="0" smtClean="0"/>
+              <a:t>Same files just store one copy</a:t>
+            </a:r>
+          </a:p>
+          <a:p>
+            <a:r>
+              <a:rPr lang="en-US" dirty="0" smtClean="0"/>
+              <a:t>Just RSync the files which are not existed in </a:t>
+            </a:r>
             <a:r>
               <a:rPr lang="en-US" dirty="0" err="1" smtClean="0"/>
-              <a:t>fsum</a:t>
-            </a:r>
-            <a:r>
-              <a:rPr lang="en-US" dirty="0" smtClean="0"/>
-              <a:t> -</a:t>
-            </a:r>
-            <a:r>
-              <a:rPr lang="en-US" dirty="0" err="1" smtClean="0"/>
-              <a:t>jnc</a:t>
-            </a:r>
-            <a:r>
-              <a:rPr lang="en-US" dirty="0" smtClean="0"/>
-              <a:t> -md5 CRK-Tools.zip &gt; CRK-Tools.zip.md5</a:t>
-            </a:r>
-            <a:endParaRPr lang="en-US" dirty="0"/>
-          </a:p>
-        </p:txBody>
-      </p:sp>
-      <p:sp>
-        <p:nvSpPr>
-          <p:cNvPr id="5" name="Oval 4"/>
-          <p:cNvSpPr/>
-          <p:nvPr/>
-        </p:nvSpPr>
-        <p:spPr>
-          <a:xfrm>
-            <a:off x="6588224" y="3933056"/>
-            <a:ext cx="1512168" cy="720080"/>
-          </a:xfrm>
-          <a:prstGeom prst="ellipse">
-            <a:avLst/>
-          </a:prstGeom>
-        </p:spPr>
-        <p:style>
-          <a:lnRef idx="2">
-            <a:schemeClr val="accent1">
-              <a:shade val="50000"/>
-            </a:schemeClr>
-          </a:lnRef>
-          <a:fillRef idx="1">
-            <a:schemeClr val="accent1"/>
-          </a:fillRef>
-          <a:effectRef idx="0">
-            <a:schemeClr val="accent1"/>
-          </a:effectRef>
-          <a:fontRef idx="minor">
-            <a:schemeClr val="lt1"/>
-          </a:fontRef>
-        </p:style>
-        <p:txBody>
-          <a:bodyPr rtlCol="0" anchor="ctr"/>
-          <a:lstStyle/>
-          <a:p>
-            <a:pPr algn="ctr"/>
-            <a:r>
-              <a:rPr lang="en-US" dirty="0" smtClean="0"/>
-              <a:t>Fsum.exe</a:t>
+              <a:t>Rsync</a:t>
+            </a:r>
+            <a:r>
+              <a:rPr lang="en-US" dirty="0" smtClean="0"/>
+              <a:t> Server</a:t>
             </a:r>
             <a:endParaRPr lang="en-US" dirty="0"/>
           </a:p>
@@ -10875,7 +10840,7 @@
           <a:p>
             <a:r>
               <a:rPr lang="en-US" dirty="0" smtClean="0"/>
-              <a:t>RSync</a:t>
+              <a:t>MD5 identify one file</a:t>
             </a:r>
             <a:endParaRPr lang="en-US" dirty="0"/>
           </a:p>
@@ -10891,11 +10856,126 @@
             <p:ph idx="1"/>
           </p:nvPr>
         </p:nvSpPr>
-        <p:spPr/>
+        <p:spPr>
+          <a:xfrm>
+            <a:off x="395536" y="1124744"/>
+            <a:ext cx="8229600" cy="3960439"/>
+          </a:xfrm>
+        </p:spPr>
         <p:txBody>
           <a:bodyPr/>
           <a:lstStyle/>
           <a:p>
+            <a:r>
+              <a:rPr lang="en-US" dirty="0" smtClean="0"/>
+              <a:t>Use MD5 to identify one file, different file will have different MD5.</a:t>
+            </a:r>
+          </a:p>
+          <a:p>
+            <a:r>
+              <a:rPr lang="en-US" dirty="0" smtClean="0"/>
+              <a:t>The file MD5 doesn’t matter with the file name, just is relative with the file content.</a:t>
+            </a:r>
+            <a:endParaRPr lang="en-US" dirty="0"/>
+          </a:p>
+        </p:txBody>
+      </p:sp>
+      <p:sp>
+        <p:nvSpPr>
+          <p:cNvPr id="4" name="Rectangle 3"/>
+          <p:cNvSpPr/>
+          <p:nvPr/>
+        </p:nvSpPr>
+        <p:spPr>
+          <a:xfrm>
+            <a:off x="827584" y="5445224"/>
+            <a:ext cx="7632848" cy="720080"/>
+          </a:xfrm>
+          <a:prstGeom prst="rect">
+            <a:avLst/>
+          </a:prstGeom>
+        </p:spPr>
+        <p:style>
+          <a:lnRef idx="2">
+            <a:schemeClr val="accent1">
+              <a:shade val="50000"/>
+            </a:schemeClr>
+          </a:lnRef>
+          <a:fillRef idx="1">
+            <a:schemeClr val="accent1"/>
+          </a:fillRef>
+          <a:effectRef idx="0">
+            <a:schemeClr val="accent1"/>
+          </a:effectRef>
+          <a:fontRef idx="minor">
+            <a:schemeClr val="lt1"/>
+          </a:fontRef>
+        </p:style>
+        <p:txBody>
+          <a:bodyPr rtlCol="0" anchor="ctr"/>
+          <a:lstStyle/>
+          <a:p>
+            <a:pPr algn="ctr"/>
+            <a:r>
+              <a:rPr lang="en-US" dirty="0" err="1" smtClean="0"/>
+              <a:t>fsum</a:t>
+            </a:r>
+            <a:r>
+              <a:rPr lang="en-US" dirty="0" smtClean="0"/>
+              <a:t> -</a:t>
+            </a:r>
+            <a:r>
+              <a:rPr lang="en-US" dirty="0" err="1" smtClean="0"/>
+              <a:t>jnc</a:t>
+            </a:r>
+            <a:r>
+              <a:rPr lang="en-US" dirty="0" smtClean="0"/>
+              <a:t> -md5 CRK-Tools.zip &gt; CRK-Tools.zip.md5</a:t>
+            </a:r>
+            <a:endParaRPr lang="en-US" dirty="0"/>
+          </a:p>
+        </p:txBody>
+      </p:sp>
+      <p:sp>
+        <p:nvSpPr>
+          <p:cNvPr id="5" name="Oval 4"/>
+          <p:cNvSpPr/>
+          <p:nvPr/>
+        </p:nvSpPr>
+        <p:spPr>
+          <a:xfrm>
+            <a:off x="6588224" y="3933056"/>
+            <a:ext cx="1512168" cy="720080"/>
+          </a:xfrm>
+          <a:prstGeom prst="ellipse">
+            <a:avLst/>
+          </a:prstGeom>
+        </p:spPr>
+        <p:style>
+          <a:lnRef idx="2">
+            <a:schemeClr val="accent1">
+              <a:shade val="50000"/>
+            </a:schemeClr>
+          </a:lnRef>
+          <a:fillRef idx="1">
+            <a:schemeClr val="accent1"/>
+          </a:fillRef>
+          <a:effectRef idx="0">
+            <a:schemeClr val="accent1"/>
+          </a:effectRef>
+          <a:fontRef idx="minor">
+            <a:schemeClr val="lt1"/>
+          </a:fontRef>
+        </p:style>
+        <p:txBody>
+          <a:bodyPr rtlCol="0" anchor="ctr"/>
+          <a:lstStyle/>
+          <a:p>
+            <a:pPr algn="ctr"/>
+            <a:r>
+              <a:rPr lang="en-US" dirty="0" smtClean="0"/>
+              <a:t>Fsum.exe</a:t>
+            </a:r>
             <a:endParaRPr lang="en-US" dirty="0"/>
           </a:p>
         </p:txBody>
@@ -10942,7 +11022,7 @@
           <a:p>
             <a:r>
               <a:rPr lang="en-US" dirty="0" smtClean="0"/>
-              <a:t>Linux Hand Link</a:t>
+              <a:t>RSync</a:t>
             </a:r>
             <a:endParaRPr lang="en-US" dirty="0"/>
           </a:p>
@@ -10950,174 +11030,20 @@
       </p:sp>
       <p:sp>
         <p:nvSpPr>
-          <p:cNvPr id="5" name="Rectangle 4"/>
-          <p:cNvSpPr/>
-          <p:nvPr/>
+          <p:cNvPr id="3" name="Content Placeholder 2"/>
+          <p:cNvSpPr>
+            <a:spLocks noGrp="1"/>
+          </p:cNvSpPr>
+          <p:nvPr>
+            <p:ph idx="1"/>
+          </p:nvPr>
         </p:nvSpPr>
-        <p:spPr>
-          <a:xfrm>
-            <a:off x="611560" y="1340768"/>
-            <a:ext cx="3888432" cy="2016224"/>
-          </a:xfrm>
-          <a:prstGeom prst="rect">
-            <a:avLst/>
-          </a:prstGeom>
-        </p:spPr>
-        <p:style>
-          <a:lnRef idx="2">
-            <a:schemeClr val="accent1">
-              <a:shade val="50000"/>
-            </a:schemeClr>
-          </a:lnRef>
-          <a:fillRef idx="1">
-            <a:schemeClr val="accent1"/>
-          </a:fillRef>
-          <a:effectRef idx="0">
-            <a:schemeClr val="accent1"/>
-          </a:effectRef>
-          <a:fontRef idx="minor">
-            <a:schemeClr val="lt1"/>
-          </a:fontRef>
-        </p:style>
+        <p:spPr/>
         <p:txBody>
-          <a:bodyPr rtlCol="0" anchor="ctr"/>
+          <a:bodyPr/>
           <a:lstStyle/>
           <a:p>
-            <a:pPr>
-              <a:buFont typeface="Arial" pitchFamily="34" charset="0"/>
-              <a:buChar char="•"/>
-            </a:pPr>
-            <a:r>
-              <a:rPr lang="en-US" dirty="0" smtClean="0"/>
-              <a:t>Hard links</a:t>
-            </a:r>
-          </a:p>
-          <a:p>
-            <a:pPr>
-              <a:buFont typeface="Arial" pitchFamily="34" charset="0"/>
-              <a:buChar char="•"/>
-            </a:pPr>
-            <a:r>
-              <a:rPr lang="en-US" dirty="0" smtClean="0"/>
-              <a:t>Cannot links directories </a:t>
-            </a:r>
-          </a:p>
-          <a:p>
-            <a:pPr>
-              <a:buFont typeface="Arial" pitchFamily="34" charset="0"/>
-              <a:buChar char="•"/>
-            </a:pPr>
-            <a:r>
-              <a:rPr lang="en-US" dirty="0" smtClean="0"/>
-              <a:t>Cannot cross file system boundaries</a:t>
-            </a:r>
-          </a:p>
-          <a:p>
-            <a:pPr>
-              <a:buFont typeface="Arial" pitchFamily="34" charset="0"/>
-              <a:buChar char="•"/>
-            </a:pPr>
-            <a:r>
-              <a:rPr lang="en-US" dirty="0" smtClean="0"/>
-              <a:t>Still can access the content even if the source file is removed</a:t>
-            </a:r>
-          </a:p>
-          <a:p>
-            <a:pPr>
-              <a:buFont typeface="Arial" pitchFamily="34" charset="0"/>
-              <a:buChar char="•"/>
-            </a:pPr>
-            <a:r>
-              <a:rPr lang="en-US" dirty="0" smtClean="0"/>
-              <a:t>Only all last hard links and source file are removed, the file is removed</a:t>
-            </a:r>
             <a:endParaRPr lang="en-US" dirty="0"/>
-          </a:p>
-        </p:txBody>
-      </p:sp>
-      <p:sp>
-        <p:nvSpPr>
-          <p:cNvPr id="6" name="Rectangle 5"/>
-          <p:cNvSpPr/>
-          <p:nvPr/>
-        </p:nvSpPr>
-        <p:spPr>
-          <a:xfrm>
-            <a:off x="611560" y="3933056"/>
-            <a:ext cx="3888432" cy="2016224"/>
-          </a:xfrm>
-          <a:prstGeom prst="rect">
-            <a:avLst/>
-          </a:prstGeom>
-        </p:spPr>
-        <p:style>
-          <a:lnRef idx="2">
-            <a:schemeClr val="accent1">
-              <a:shade val="50000"/>
-            </a:schemeClr>
-          </a:lnRef>
-          <a:fillRef idx="1">
-            <a:schemeClr val="accent1"/>
-          </a:fillRef>
-          <a:effectRef idx="0">
-            <a:schemeClr val="accent1"/>
-          </a:effectRef>
-          <a:fontRef idx="minor">
-            <a:schemeClr val="lt1"/>
-          </a:fontRef>
-        </p:style>
-        <p:txBody>
-          <a:bodyPr rtlCol="0" anchor="ctr"/>
-          <a:lstStyle/>
-          <a:p>
-            <a:pPr>
-              <a:buFont typeface="Arial" pitchFamily="34" charset="0"/>
-              <a:buChar char="•"/>
-            </a:pPr>
-            <a:r>
-              <a:rPr lang="en-US" dirty="0" smtClean="0"/>
-              <a:t>Soft links</a:t>
-            </a:r>
-          </a:p>
-          <a:p>
-            <a:pPr>
-              <a:buFont typeface="Arial" pitchFamily="34" charset="0"/>
-              <a:buChar char="•"/>
-            </a:pPr>
-            <a:r>
-              <a:rPr lang="en-US" dirty="0" smtClean="0"/>
-              <a:t>Can links directories </a:t>
-            </a:r>
-          </a:p>
-          <a:p>
-            <a:pPr>
-              <a:buFont typeface="Arial" pitchFamily="34" charset="0"/>
-              <a:buChar char="•"/>
-            </a:pPr>
-            <a:r>
-              <a:rPr lang="en-US" dirty="0" smtClean="0"/>
-              <a:t>Can cross file system boundaries</a:t>
-            </a:r>
-          </a:p>
-          <a:p>
-            <a:pPr>
-              <a:buFont typeface="Arial" pitchFamily="34" charset="0"/>
-              <a:buChar char="•"/>
-            </a:pPr>
-            <a:r>
-              <a:rPr lang="en-US" dirty="0" smtClean="0"/>
-              <a:t>Cannot access the content when the source file is removed</a:t>
-            </a:r>
-          </a:p>
-          <a:p>
-            <a:pPr>
-              <a:buFont typeface="Arial" pitchFamily="34" charset="0"/>
-              <a:buChar char="•"/>
-            </a:pPr>
-            <a:r>
-              <a:rPr lang="en-US" dirty="0" smtClean="0"/>
-              <a:t>All soft links don’t work when the source file is removed</a:t>
-            </a:r>
           </a:p>
         </p:txBody>
       </p:sp>
@@ -12468,14 +12394,12 @@
         </p:nvSpPr>
         <p:spPr/>
         <p:txBody>
-          <a:bodyPr>
-            <a:normAutofit/>
-          </a:bodyPr>
+          <a:bodyPr/>
           <a:lstStyle/>
           <a:p>
             <a:r>
               <a:rPr lang="en-US" dirty="0" smtClean="0"/>
-              <a:t>Same files just store one copy</a:t>
+              <a:t>Linux Hand Link</a:t>
             </a:r>
             <a:endParaRPr lang="en-US" dirty="0"/>
           </a:p>
@@ -12483,20 +12407,174 @@
       </p:sp>
       <p:sp>
         <p:nvSpPr>
-          <p:cNvPr id="3" name="Content Placeholder 2"/>
-          <p:cNvSpPr>
-            <a:spLocks noGrp="1"/>
-          </p:cNvSpPr>
-          <p:nvPr>
-            <p:ph idx="1"/>
-          </p:nvPr>
+          <p:cNvPr id="5" name="Rectangle 4"/>
+          <p:cNvSpPr/>
+          <p:nvPr/>
         </p:nvSpPr>
-        <p:spPr/>
+        <p:spPr>
+          <a:xfrm>
+            <a:off x="611560" y="1340768"/>
+            <a:ext cx="3888432" cy="2016224"/>
+          </a:xfrm>
+          <a:prstGeom prst="rect">
+            <a:avLst/>
+          </a:prstGeom>
+        </p:spPr>
+        <p:style>
+          <a:lnRef idx="2">
+            <a:schemeClr val="accent1">
+              <a:shade val="50000"/>
+            </a:schemeClr>
+          </a:lnRef>
+          <a:fillRef idx="1">
+            <a:schemeClr val="accent1"/>
+          </a:fillRef>
+          <a:effectRef idx="0">
+            <a:schemeClr val="accent1"/>
+          </a:effectRef>
+          <a:fontRef idx="minor">
+            <a:schemeClr val="lt1"/>
+          </a:fontRef>
+        </p:style>
         <p:txBody>
-          <a:bodyPr/>
+          <a:bodyPr rtlCol="0" anchor="ctr"/>
           <a:lstStyle/>
           <a:p>
-            <a:endParaRPr lang="en-US"/>
+            <a:pPr>
+              <a:buFont typeface="Arial" pitchFamily="34" charset="0"/>
+              <a:buChar char="•"/>
+            </a:pPr>
+            <a:r>
+              <a:rPr lang="en-US" dirty="0" smtClean="0"/>
+              <a:t>Hard links</a:t>
+            </a:r>
+          </a:p>
+          <a:p>
+            <a:pPr>
+              <a:buFont typeface="Arial" pitchFamily="34" charset="0"/>
+              <a:buChar char="•"/>
+            </a:pPr>
+            <a:r>
+              <a:rPr lang="en-US" dirty="0" smtClean="0"/>
+              <a:t>Cannot links directories </a:t>
+            </a:r>
+          </a:p>
+          <a:p>
+            <a:pPr>
+              <a:buFont typeface="Arial" pitchFamily="34" charset="0"/>
+              <a:buChar char="•"/>
+            </a:pPr>
+            <a:r>
+              <a:rPr lang="en-US" dirty="0" smtClean="0"/>
+              <a:t>Cannot cross file system boundaries</a:t>
+            </a:r>
+          </a:p>
+          <a:p>
+            <a:pPr>
+              <a:buFont typeface="Arial" pitchFamily="34" charset="0"/>
+              <a:buChar char="•"/>
+            </a:pPr>
+            <a:r>
+              <a:rPr lang="en-US" dirty="0" smtClean="0"/>
+              <a:t>Still can access the content even if the source file is removed</a:t>
+            </a:r>
+          </a:p>
+          <a:p>
+            <a:pPr>
+              <a:buFont typeface="Arial" pitchFamily="34" charset="0"/>
+              <a:buChar char="•"/>
+            </a:pPr>
+            <a:r>
+              <a:rPr lang="en-US" dirty="0" smtClean="0"/>
+              <a:t>Only all last hard links and source file are removed, the file is removed</a:t>
+            </a:r>
+            <a:endParaRPr lang="en-US" dirty="0"/>
+          </a:p>
+        </p:txBody>
+      </p:sp>
+      <p:sp>
+        <p:nvSpPr>
+          <p:cNvPr id="6" name="Rectangle 5"/>
+          <p:cNvSpPr/>
+          <p:nvPr/>
+        </p:nvSpPr>
+        <p:spPr>
+          <a:xfrm>
+            <a:off x="611560" y="3933056"/>
+            <a:ext cx="3888432" cy="2016224"/>
+          </a:xfrm>
+          <a:prstGeom prst="rect">
+            <a:avLst/>
+          </a:prstGeom>
+        </p:spPr>
+        <p:style>
+          <a:lnRef idx="2">
+            <a:schemeClr val="accent1">
+              <a:shade val="50000"/>
+            </a:schemeClr>
+          </a:lnRef>
+          <a:fillRef idx="1">
+            <a:schemeClr val="accent1"/>
+          </a:fillRef>
+          <a:effectRef idx="0">
+            <a:schemeClr val="accent1"/>
+          </a:effectRef>
+          <a:fontRef idx="minor">
+            <a:schemeClr val="lt1"/>
+          </a:fontRef>
+        </p:style>
+        <p:txBody>
+          <a:bodyPr rtlCol="0" anchor="ctr"/>
+          <a:lstStyle/>
+          <a:p>
+            <a:pPr>
+              <a:buFont typeface="Arial" pitchFamily="34" charset="0"/>
+              <a:buChar char="•"/>
+            </a:pPr>
+            <a:r>
+              <a:rPr lang="en-US" dirty="0" smtClean="0"/>
+              <a:t>Soft links</a:t>
+            </a:r>
+          </a:p>
+          <a:p>
+            <a:pPr>
+              <a:buFont typeface="Arial" pitchFamily="34" charset="0"/>
+              <a:buChar char="•"/>
+            </a:pPr>
+            <a:r>
+              <a:rPr lang="en-US" dirty="0" smtClean="0"/>
+              <a:t>Can links directories </a:t>
+            </a:r>
+          </a:p>
+          <a:p>
+            <a:pPr>
+              <a:buFont typeface="Arial" pitchFamily="34" charset="0"/>
+              <a:buChar char="•"/>
+            </a:pPr>
+            <a:r>
+              <a:rPr lang="en-US" dirty="0" smtClean="0"/>
+              <a:t>Can cross file system boundaries</a:t>
+            </a:r>
+          </a:p>
+          <a:p>
+            <a:pPr>
+              <a:buFont typeface="Arial" pitchFamily="34" charset="0"/>
+              <a:buChar char="•"/>
+            </a:pPr>
+            <a:r>
+              <a:rPr lang="en-US" dirty="0" smtClean="0"/>
+              <a:t>Cannot access the content when the source file is removed</a:t>
+            </a:r>
+          </a:p>
+          <a:p>
+            <a:pPr>
+              <a:buFont typeface="Arial" pitchFamily="34" charset="0"/>
+              <a:buChar char="•"/>
+            </a:pPr>
+            <a:r>
+              <a:rPr lang="en-US" dirty="0" smtClean="0"/>
+              <a:t>All soft links don’t work when the source file is removed</a:t>
+            </a:r>
           </a:p>
         </p:txBody>
       </p:sp>
@@ -12538,25 +12616,14 @@
         <p:spPr/>
         <p:txBody>
           <a:bodyPr>
-            <a:normAutofit fontScale="90000"/>
+            <a:normAutofit/>
           </a:bodyPr>
           <a:lstStyle/>
           <a:p>
             <a:r>
               <a:rPr lang="en-US" dirty="0" smtClean="0"/>
-              <a:t>Just RSync the files which are not existed in </a:t>
-            </a:r>
-            <a:r>
-              <a:rPr lang="en-US" dirty="0" err="1" smtClean="0"/>
-              <a:t>Rsync</a:t>
-            </a:r>
-            <a:r>
-              <a:rPr lang="en-US" dirty="0" smtClean="0"/>
-              <a:t> Server</a:t>
-            </a:r>
-            <a:br>
-              <a:rPr lang="en-US" dirty="0" smtClean="0"/>
-            </a:br>
+              <a:t>Same files just store one copy</a:t>
+            </a:r>
             <a:endParaRPr lang="en-US" dirty="0"/>
           </a:p>
         </p:txBody>
@@ -12576,7 +12643,7 @@
           <a:bodyPr/>
           <a:lstStyle/>
           <a:p>
-            <a:endParaRPr lang="en-US" dirty="0"/>
+            <a:endParaRPr lang="en-US"/>
           </a:p>
         </p:txBody>
       </p:sp>
@@ -12617,9 +12684,26 @@
         </p:nvSpPr>
         <p:spPr/>
         <p:txBody>
-          <a:bodyPr/>
+          <a:bodyPr>
+            <a:normAutofit fontScale="90000"/>
+          </a:bodyPr>
           <a:lstStyle/>
           <a:p>
+            <a:r>
+              <a:rPr lang="en-US" dirty="0" smtClean="0"/>
+              <a:t>Just RSync the files which are not existed in </a:t>
+            </a:r>
+            <a:r>
+              <a:rPr lang="en-US" dirty="0" err="1" smtClean="0"/>
+              <a:t>Rsync</a:t>
+            </a:r>
+            <a:r>
+              <a:rPr lang="en-US" dirty="0" smtClean="0"/>
+              <a:t> Server</a:t>
+            </a:r>
+            <a:br>
+              <a:rPr lang="en-US" dirty="0" smtClean="0"/>
+            </a:br>
             <a:endParaRPr lang="en-US" dirty="0"/>
           </a:p>
         </p:txBody>
@@ -12639,7 +12723,7 @@
           <a:bodyPr/>
           <a:lstStyle/>
           <a:p>
-            <a:endParaRPr lang="en-US"/>
+            <a:endParaRPr lang="en-US" dirty="0"/>
           </a:p>
         </p:txBody>
       </p:sp>
